--- a/Rinko_Drafts/A Brief Survey on Deep Learning in.pptx
+++ b/Rinko_Drafts/A Brief Survey on Deep Learning in.pptx
@@ -5,13 +5,15 @@
     <p:sldMasterId id="2147483648" r:id="rId1"/>
   </p:sldMasterIdLst>
   <p:notesMasterIdLst>
-    <p:notesMasterId r:id="rId6"/>
+    <p:notesMasterId r:id="rId8"/>
   </p:notesMasterIdLst>
   <p:sldIdLst>
     <p:sldId id="256" r:id="rId2"/>
     <p:sldId id="257" r:id="rId3"/>
-    <p:sldId id="258" r:id="rId4"/>
-    <p:sldId id="259" r:id="rId5"/>
+    <p:sldId id="260" r:id="rId4"/>
+    <p:sldId id="261" r:id="rId5"/>
+    <p:sldId id="262" r:id="rId6"/>
+    <p:sldId id="263" r:id="rId7"/>
   </p:sldIdLst>
   <p:sldSz cx="12192000" cy="6858000"/>
   <p:notesSz cx="6858000" cy="9144000"/>
@@ -117,15 +119,19 @@
           <p14:sldIdLst>
             <p14:sldId id="256"/>
             <p14:sldId id="257"/>
+            <p14:sldId id="260"/>
+            <p14:sldId id="261"/>
+            <p14:sldId id="262"/>
+            <p14:sldId id="263"/>
           </p14:sldIdLst>
         </p14:section>
         <p14:section name="Untitled Section" id="{E4F2C716-5593-422F-B571-9395C58B0BE1}">
-          <p14:sldIdLst>
-            <p14:sldId id="258"/>
-            <p14:sldId id="259"/>
-          </p14:sldIdLst>
+          <p14:sldIdLst/>
         </p14:section>
       </p14:sectionLst>
+    </p:ext>
+    <p:ext uri="{EFAFB233-063F-42B5-8137-9DF3F51BA10A}">
+      <p15:sldGuideLst xmlns:p15="http://schemas.microsoft.com/office/powerpoint/2012/main"/>
     </p:ext>
   </p:extLst>
 </p:presentation>
@@ -213,7 +219,7 @@
           <a:p>
             <a:fld id="{B03AFC32-C79F-469F-92E3-2C3388775806}" type="datetimeFigureOut">
               <a:rPr lang="en-US" smtClean="0"/>
-              <a:t>7/9/2024</a:t>
+              <a:t>7/10/2024</a:t>
             </a:fld>
             <a:endParaRPr lang="en-US"/>
           </a:p>
@@ -960,7 +966,7 @@
           <a:p>
             <a:fld id="{68AFA7A1-9110-44F9-A045-898D2807289F}" type="datetimeFigureOut">
               <a:rPr lang="en-US" smtClean="0"/>
-              <a:t>7/9/2024</a:t>
+              <a:t>7/10/2024</a:t>
             </a:fld>
             <a:endParaRPr lang="en-US"/>
           </a:p>
@@ -1158,7 +1164,7 @@
           <a:p>
             <a:fld id="{68AFA7A1-9110-44F9-A045-898D2807289F}" type="datetimeFigureOut">
               <a:rPr lang="en-US" smtClean="0"/>
-              <a:t>7/9/2024</a:t>
+              <a:t>7/10/2024</a:t>
             </a:fld>
             <a:endParaRPr lang="en-US"/>
           </a:p>
@@ -1366,7 +1372,7 @@
           <a:p>
             <a:fld id="{68AFA7A1-9110-44F9-A045-898D2807289F}" type="datetimeFigureOut">
               <a:rPr lang="en-US" smtClean="0"/>
-              <a:t>7/9/2024</a:t>
+              <a:t>7/10/2024</a:t>
             </a:fld>
             <a:endParaRPr lang="en-US"/>
           </a:p>
@@ -1564,7 +1570,7 @@
           <a:p>
             <a:fld id="{68AFA7A1-9110-44F9-A045-898D2807289F}" type="datetimeFigureOut">
               <a:rPr lang="en-US" smtClean="0"/>
-              <a:t>7/9/2024</a:t>
+              <a:t>7/10/2024</a:t>
             </a:fld>
             <a:endParaRPr lang="en-US"/>
           </a:p>
@@ -1839,7 +1845,7 @@
           <a:p>
             <a:fld id="{68AFA7A1-9110-44F9-A045-898D2807289F}" type="datetimeFigureOut">
               <a:rPr lang="en-US" smtClean="0"/>
-              <a:t>7/9/2024</a:t>
+              <a:t>7/10/2024</a:t>
             </a:fld>
             <a:endParaRPr lang="en-US"/>
           </a:p>
@@ -2104,7 +2110,7 @@
           <a:p>
             <a:fld id="{68AFA7A1-9110-44F9-A045-898D2807289F}" type="datetimeFigureOut">
               <a:rPr lang="en-US" smtClean="0"/>
-              <a:t>7/9/2024</a:t>
+              <a:t>7/10/2024</a:t>
             </a:fld>
             <a:endParaRPr lang="en-US"/>
           </a:p>
@@ -2516,7 +2522,7 @@
           <a:p>
             <a:fld id="{68AFA7A1-9110-44F9-A045-898D2807289F}" type="datetimeFigureOut">
               <a:rPr lang="en-US" smtClean="0"/>
-              <a:t>7/9/2024</a:t>
+              <a:t>7/10/2024</a:t>
             </a:fld>
             <a:endParaRPr lang="en-US"/>
           </a:p>
@@ -2657,7 +2663,7 @@
           <a:p>
             <a:fld id="{68AFA7A1-9110-44F9-A045-898D2807289F}" type="datetimeFigureOut">
               <a:rPr lang="en-US" smtClean="0"/>
-              <a:t>7/9/2024</a:t>
+              <a:t>7/10/2024</a:t>
             </a:fld>
             <a:endParaRPr lang="en-US"/>
           </a:p>
@@ -2770,7 +2776,7 @@
           <a:p>
             <a:fld id="{68AFA7A1-9110-44F9-A045-898D2807289F}" type="datetimeFigureOut">
               <a:rPr lang="en-US" smtClean="0"/>
-              <a:t>7/9/2024</a:t>
+              <a:t>7/10/2024</a:t>
             </a:fld>
             <a:endParaRPr lang="en-US"/>
           </a:p>
@@ -3081,7 +3087,7 @@
           <a:p>
             <a:fld id="{68AFA7A1-9110-44F9-A045-898D2807289F}" type="datetimeFigureOut">
               <a:rPr lang="en-US" smtClean="0"/>
-              <a:t>7/9/2024</a:t>
+              <a:t>7/10/2024</a:t>
             </a:fld>
             <a:endParaRPr lang="en-US"/>
           </a:p>
@@ -3369,7 +3375,7 @@
           <a:p>
             <a:fld id="{68AFA7A1-9110-44F9-A045-898D2807289F}" type="datetimeFigureOut">
               <a:rPr lang="en-US" smtClean="0"/>
-              <a:t>7/9/2024</a:t>
+              <a:t>7/10/2024</a:t>
             </a:fld>
             <a:endParaRPr lang="en-US"/>
           </a:p>
@@ -3610,7 +3616,7 @@
           <a:p>
             <a:fld id="{68AFA7A1-9110-44F9-A045-898D2807289F}" type="datetimeFigureOut">
               <a:rPr lang="en-US" smtClean="0"/>
-              <a:t>7/9/2024</a:t>
+              <a:t>7/10/2024</a:t>
             </a:fld>
             <a:endParaRPr lang="en-US"/>
           </a:p>
@@ -4056,28 +4062,42 @@
           <a:lstStyle/>
           <a:p>
             <a:r>
-              <a:rPr lang="en-US" dirty="0"/>
+              <a:rPr lang="en-US" dirty="0">
+                <a:latin typeface="Algerian" panose="04020705040A02060702" pitchFamily="82" charset="0"/>
+              </a:rPr>
               <a:t>A Brief Survey on Deep Learning in </a:t>
             </a:r>
             <a:br>
-              <a:rPr lang="en-US" dirty="0"/>
+              <a:rPr lang="en-US" dirty="0">
+                <a:latin typeface="Algerian" panose="04020705040A02060702" pitchFamily="82" charset="0"/>
+              </a:rPr>
             </a:br>
             <a:r>
-              <a:rPr lang="en-US" dirty="0"/>
+              <a:rPr lang="en-US" dirty="0">
+                <a:latin typeface="Algerian" panose="04020705040A02060702" pitchFamily="82" charset="0"/>
+              </a:rPr>
               <a:t>Traffic Forecasting </a:t>
             </a:r>
             <a:br>
-              <a:rPr lang="en-US" dirty="0"/>
+              <a:rPr lang="en-US" dirty="0">
+                <a:latin typeface="Algerian" panose="04020705040A02060702" pitchFamily="82" charset="0"/>
+              </a:rPr>
             </a:br>
             <a:r>
-              <a:rPr lang="en-US" dirty="0"/>
+              <a:rPr lang="en-US" dirty="0">
+                <a:latin typeface="Algerian" panose="04020705040A02060702" pitchFamily="82" charset="0"/>
+              </a:rPr>
               <a:t>&amp;</a:t>
             </a:r>
             <a:br>
-              <a:rPr lang="en-US" dirty="0"/>
+              <a:rPr lang="en-US" dirty="0">
+                <a:latin typeface="Algerian" panose="04020705040A02060702" pitchFamily="82" charset="0"/>
+              </a:rPr>
             </a:br>
             <a:r>
-              <a:rPr lang="en-US" dirty="0"/>
+              <a:rPr lang="en-US" dirty="0">
+                <a:latin typeface="Algerian" panose="04020705040A02060702" pitchFamily="82" charset="0"/>
+              </a:rPr>
               <a:t>Traffic State Estimation</a:t>
             </a:r>
           </a:p>
@@ -4101,7 +4121,7 @@
         </p:nvSpPr>
         <p:spPr>
           <a:xfrm>
-            <a:off x="1435916" y="4671634"/>
+            <a:off x="1435916" y="4733159"/>
             <a:ext cx="9144000" cy="1655762"/>
           </a:xfrm>
         </p:spPr>
@@ -4112,25 +4132,33 @@
           <a:lstStyle/>
           <a:p>
             <a:r>
-              <a:rPr lang="en-US" dirty="0"/>
+              <a:rPr lang="en-US" dirty="0">
+                <a:latin typeface="Baguet Script" panose="020F0502020204030204" pitchFamily="2" charset="0"/>
+              </a:rPr>
               <a:t>Ito’s Lab</a:t>
             </a:r>
           </a:p>
           <a:p>
             <a:r>
-              <a:rPr lang="en-US" dirty="0"/>
+              <a:rPr lang="en-US" dirty="0">
+                <a:latin typeface="Baguet Script" panose="020F0502020204030204" pitchFamily="2" charset="0"/>
+              </a:rPr>
               <a:t>M1 Student</a:t>
             </a:r>
           </a:p>
           <a:p>
             <a:r>
-              <a:rPr lang="en-US" dirty="0"/>
+              <a:rPr lang="en-US" dirty="0">
+                <a:latin typeface="Baguet Script" panose="020F0502020204030204" pitchFamily="2" charset="0"/>
+              </a:rPr>
               <a:t>Zhengyou Han</a:t>
             </a:r>
           </a:p>
           <a:p>
             <a:r>
-              <a:rPr lang="en-US" dirty="0"/>
+              <a:rPr lang="en-US" dirty="0">
+                <a:latin typeface="Baguet Script" panose="020F0502020204030204" pitchFamily="2" charset="0"/>
+              </a:rPr>
               <a:t>07/12/2024</a:t>
             </a:r>
           </a:p>
@@ -4182,38 +4210,45 @@
             <p:ph type="title"/>
           </p:nvPr>
         </p:nvSpPr>
-        <p:spPr/>
-        <p:txBody>
-          <a:bodyPr/>
-          <a:lstStyle/>
-          <a:p>
-            <a:pPr algn="ctr"/>
-            <a:r>
-              <a:rPr lang="en-US" dirty="0"/>
-              <a:t>Introducing myself</a:t>
-            </a:r>
-          </a:p>
-        </p:txBody>
-      </p:sp>
-      <p:sp>
-        <p:nvSpPr>
-          <p:cNvPr id="3" name="Content Placeholder 2">
-            <a:extLst>
-              <a:ext uri="{FF2B5EF4-FFF2-40B4-BE49-F238E27FC236}">
-                <a16:creationId xmlns:a16="http://schemas.microsoft.com/office/drawing/2014/main" id="{ACA0DD73-1A3D-2635-678E-6A9B63AA89FE}"/>
-              </a:ext>
-            </a:extLst>
-          </p:cNvPr>
-          <p:cNvSpPr>
-            <a:spLocks noGrp="1"/>
-          </p:cNvSpPr>
-          <p:nvPr>
-            <p:ph idx="1"/>
-          </p:nvPr>
-        </p:nvSpPr>
         <p:spPr>
           <a:xfrm>
-            <a:off x="157655" y="1572936"/>
+            <a:off x="825447" y="54528"/>
+            <a:ext cx="10515600" cy="1325563"/>
+          </a:xfrm>
+        </p:spPr>
+        <p:txBody>
+          <a:bodyPr/>
+          <a:lstStyle/>
+          <a:p>
+            <a:pPr algn="ctr"/>
+            <a:r>
+              <a:rPr lang="en-US" dirty="0">
+                <a:latin typeface="Algerian" panose="04020705040A02060702" pitchFamily="82" charset="0"/>
+              </a:rPr>
+              <a:t>Introducing myself</a:t>
+            </a:r>
+          </a:p>
+        </p:txBody>
+      </p:sp>
+      <p:sp>
+        <p:nvSpPr>
+          <p:cNvPr id="3" name="Content Placeholder 2">
+            <a:extLst>
+              <a:ext uri="{FF2B5EF4-FFF2-40B4-BE49-F238E27FC236}">
+                <a16:creationId xmlns:a16="http://schemas.microsoft.com/office/drawing/2014/main" id="{ACA0DD73-1A3D-2635-678E-6A9B63AA89FE}"/>
+              </a:ext>
+            </a:extLst>
+          </p:cNvPr>
+          <p:cNvSpPr>
+            <a:spLocks noGrp="1"/>
+          </p:cNvSpPr>
+          <p:nvPr>
+            <p:ph idx="1"/>
+          </p:nvPr>
+        </p:nvSpPr>
+        <p:spPr>
+          <a:xfrm>
+            <a:off x="157654" y="1380091"/>
             <a:ext cx="11851185" cy="5230536"/>
           </a:xfrm>
         </p:spPr>
@@ -4222,57 +4257,77 @@
           <a:lstStyle/>
           <a:p>
             <a:r>
-              <a:rPr lang="en-US" dirty="0"/>
+              <a:rPr lang="en-US" dirty="0">
+                <a:latin typeface="Arial Black" panose="020B0A04020102020204" pitchFamily="34" charset="0"/>
+              </a:rPr>
               <a:t>My name is Zhengyou HAN(</a:t>
             </a:r>
             <a:r>
-              <a:rPr lang="zh-CN" altLang="en-US" dirty="0"/>
+              <a:rPr lang="zh-CN" altLang="en-US" dirty="0">
+                <a:latin typeface="Arial Black" panose="020B0A04020102020204" pitchFamily="34" charset="0"/>
+              </a:rPr>
               <a:t>韩政佑</a:t>
             </a:r>
             <a:r>
-              <a:rPr lang="en-US" altLang="zh-CN" dirty="0"/>
+              <a:rPr lang="en-US" altLang="zh-CN" dirty="0">
+                <a:latin typeface="Arial Black" panose="020B0A04020102020204" pitchFamily="34" charset="0"/>
+              </a:rPr>
               <a:t>)</a:t>
             </a:r>
             <a:r>
-              <a:rPr lang="en-US" dirty="0"/>
+              <a:rPr lang="en-US" dirty="0">
+                <a:latin typeface="Arial Black" panose="020B0A04020102020204" pitchFamily="34" charset="0"/>
+              </a:rPr>
               <a:t>, and please call me Alex</a:t>
             </a:r>
           </a:p>
           <a:p>
             <a:r>
-              <a:rPr lang="en-US" dirty="0"/>
+              <a:rPr lang="en-US" dirty="0">
+                <a:latin typeface="Arial Black" panose="020B0A04020102020204" pitchFamily="34" charset="0"/>
+              </a:rPr>
               <a:t>I am a M1 student from Ito’s Lab.</a:t>
             </a:r>
           </a:p>
           <a:p>
             <a:pPr lvl="1"/>
             <a:r>
-              <a:rPr lang="en-US" dirty="0"/>
+              <a:rPr lang="en-US" dirty="0">
+                <a:latin typeface="Arial Black" panose="020B0A04020102020204" pitchFamily="34" charset="0"/>
+              </a:rPr>
               <a:t>Ito’s Lab is affiliated to Social ICT Research Center</a:t>
             </a:r>
           </a:p>
           <a:p>
             <a:pPr lvl="1"/>
             <a:r>
-              <a:rPr lang="en-US" dirty="0"/>
+              <a:rPr lang="en-US" dirty="0">
+                <a:latin typeface="Arial Black" panose="020B0A04020102020204" pitchFamily="34" charset="0"/>
+              </a:rPr>
               <a:t>We focus on Intelligent Transportation System studies</a:t>
             </a:r>
           </a:p>
           <a:p>
             <a:r>
-              <a:rPr lang="en-US" dirty="0"/>
+              <a:rPr lang="en-US" dirty="0">
+                <a:latin typeface="Arial Black" panose="020B0A04020102020204" pitchFamily="34" charset="0"/>
+              </a:rPr>
               <a:t>My current research theme is traffic prediction and estimation</a:t>
             </a:r>
           </a:p>
           <a:p>
             <a:r>
-              <a:rPr lang="en-US" dirty="0"/>
+              <a:rPr lang="en-US" dirty="0">
+                <a:latin typeface="Arial Black" panose="020B0A04020102020204" pitchFamily="34" charset="0"/>
+              </a:rPr>
               <a:t>Graduated from the University of Illinois at Urbana-Champaign(UIUC)</a:t>
             </a:r>
           </a:p>
           <a:p>
             <a:r>
-              <a:rPr lang="en-US" dirty="0"/>
+              <a:rPr lang="en-US" dirty="0">
+                <a:latin typeface="Arial Black" panose="020B0A04020102020204" pitchFamily="34" charset="0"/>
+              </a:rPr>
               <a:t>Hobbies: trying new games(video games, card games, board games… );  Computer Graphics; reading books(novels, conference papers, blogs, my students’ love letters…) in a potato coach with 1L size coke.</a:t>
             </a:r>
           </a:p>
@@ -4313,7 +4368,7 @@
           <p:cNvPr id="2" name="Title 1">
             <a:extLst>
               <a:ext uri="{FF2B5EF4-FFF2-40B4-BE49-F238E27FC236}">
-                <a16:creationId xmlns:a16="http://schemas.microsoft.com/office/drawing/2014/main" id="{943A1C00-621E-59A2-E392-78807392F0EC}"/>
+                <a16:creationId xmlns:a16="http://schemas.microsoft.com/office/drawing/2014/main" id="{7369BCC4-3E9B-53DE-A086-91DF40FE1983}"/>
               </a:ext>
             </a:extLst>
           </p:cNvPr>
@@ -4331,8 +4386,10 @@
           <a:p>
             <a:pPr algn="ctr"/>
             <a:r>
-              <a:rPr lang="en-US" dirty="0"/>
-              <a:t>History of Traffic Forecasting</a:t>
+              <a:rPr lang="en-US" dirty="0">
+                <a:latin typeface="Algerian" panose="04020705040A02060702" pitchFamily="82" charset="0"/>
+              </a:rPr>
+              <a:t>Agenda</a:t>
             </a:r>
           </a:p>
         </p:txBody>
@@ -4342,7 +4399,7 @@
           <p:cNvPr id="3" name="Content Placeholder 2">
             <a:extLst>
               <a:ext uri="{FF2B5EF4-FFF2-40B4-BE49-F238E27FC236}">
-                <a16:creationId xmlns:a16="http://schemas.microsoft.com/office/drawing/2014/main" id="{E8991AB2-E377-3158-5182-E1EEF2A51418}"/>
+                <a16:creationId xmlns:a16="http://schemas.microsoft.com/office/drawing/2014/main" id="{5C3FC39E-9352-CC0F-D0A8-602A200A50F6}"/>
               </a:ext>
             </a:extLst>
           </p:cNvPr>
@@ -4359,37 +4416,37 @@
           <a:lstStyle/>
           <a:p>
             <a:r>
-              <a:rPr lang="en-US" dirty="0"/>
-              <a:t>Statistical </a:t>
-            </a:r>
-            <a:r>
-              <a:rPr lang="en-US" altLang="zh-CN" dirty="0"/>
-              <a:t>Methods (Stone Age)</a:t>
-            </a:r>
-          </a:p>
-          <a:p>
-            <a:endParaRPr lang="en-US" dirty="0"/>
-          </a:p>
-          <a:p>
-            <a:r>
-              <a:rPr lang="en-US" dirty="0"/>
-              <a:t>Data-driven Methods(the Industrial Revolution)</a:t>
-            </a:r>
-          </a:p>
-          <a:p>
-            <a:endParaRPr lang="en-US" dirty="0"/>
-          </a:p>
-          <a:p>
-            <a:r>
-              <a:rPr lang="en-US" dirty="0"/>
-              <a:t>Deep learning Methods ()</a:t>
-            </a:r>
-          </a:p>
-          <a:p>
-            <a:endParaRPr lang="en-US" dirty="0"/>
-          </a:p>
-          <a:p>
-            <a:endParaRPr lang="en-US" dirty="0"/>
+              <a:rPr lang="en-US" dirty="0">
+                <a:latin typeface="Arial Black" panose="020B0A04020102020204" pitchFamily="34" charset="0"/>
+              </a:rPr>
+              <a:t>History and current trend in traffic forecasting and traffic state estimation</a:t>
+            </a:r>
+          </a:p>
+          <a:p>
+            <a:endParaRPr lang="en-US" dirty="0">
+              <a:latin typeface="Arial Black" panose="020B0A04020102020204" pitchFamily="34" charset="0"/>
+            </a:endParaRPr>
+          </a:p>
+          <a:p>
+            <a:r>
+              <a:rPr lang="en-US" dirty="0">
+                <a:latin typeface="Arial Black" panose="020B0A04020102020204" pitchFamily="34" charset="0"/>
+              </a:rPr>
+              <a:t>Challenges we are facing</a:t>
+            </a:r>
+          </a:p>
+          <a:p>
+            <a:endParaRPr lang="en-US" dirty="0">
+              <a:latin typeface="Arial Black" panose="020B0A04020102020204" pitchFamily="34" charset="0"/>
+            </a:endParaRPr>
+          </a:p>
+          <a:p>
+            <a:r>
+              <a:rPr lang="en-US" dirty="0">
+                <a:latin typeface="Arial Black" panose="020B0A04020102020204" pitchFamily="34" charset="0"/>
+              </a:rPr>
+              <a:t>Future research plan</a:t>
+            </a:r>
           </a:p>
           <a:p>
             <a:endParaRPr lang="en-US" dirty="0"/>
@@ -4399,7 +4456,7 @@
     </p:spTree>
     <p:extLst>
       <p:ext uri="{BB962C8B-B14F-4D97-AF65-F5344CB8AC3E}">
-        <p14:creationId xmlns:p14="http://schemas.microsoft.com/office/powerpoint/2010/main" val="2384304460"/>
+        <p14:creationId xmlns:p14="http://schemas.microsoft.com/office/powerpoint/2010/main" val="269721204"/>
       </p:ext>
     </p:extLst>
   </p:cSld>
@@ -4431,7 +4488,7 @@
           <p:cNvPr id="2" name="Title 1">
             <a:extLst>
               <a:ext uri="{FF2B5EF4-FFF2-40B4-BE49-F238E27FC236}">
-                <a16:creationId xmlns:a16="http://schemas.microsoft.com/office/drawing/2014/main" id="{30EEA50C-DA35-60E9-F54B-1CDE70348D66}"/>
+                <a16:creationId xmlns:a16="http://schemas.microsoft.com/office/drawing/2014/main" id="{02220526-E07C-7235-051C-C43E91B218D5}"/>
               </a:ext>
             </a:extLst>
           </p:cNvPr>
@@ -4447,8 +4504,12 @@
           <a:bodyPr/>
           <a:lstStyle/>
           <a:p>
-            <a:pPr algn="ctr"/>
-            <a:endParaRPr lang="en-US" dirty="0"/>
+            <a:r>
+              <a:rPr lang="en-US" dirty="0">
+                <a:latin typeface="Algerian" panose="04020705040A02060702" pitchFamily="82" charset="0"/>
+              </a:rPr>
+              <a:t>History &amp; Trend</a:t>
+            </a:r>
           </a:p>
         </p:txBody>
       </p:sp>
@@ -4457,7 +4518,7 @@
           <p:cNvPr id="3" name="Content Placeholder 2">
             <a:extLst>
               <a:ext uri="{FF2B5EF4-FFF2-40B4-BE49-F238E27FC236}">
-                <a16:creationId xmlns:a16="http://schemas.microsoft.com/office/drawing/2014/main" id="{A5E238CA-AAD3-8000-0E12-E0207FE74B63}"/>
+                <a16:creationId xmlns:a16="http://schemas.microsoft.com/office/drawing/2014/main" id="{1682FDAE-4AEF-E80E-6A38-978835C7C9F5}"/>
               </a:ext>
             </a:extLst>
           </p:cNvPr>
@@ -4473,14 +4534,256 @@
           <a:bodyPr/>
           <a:lstStyle/>
           <a:p>
-            <a:endParaRPr lang="en-US"/>
+            <a:r>
+              <a:rPr lang="en-US" dirty="0">
+                <a:latin typeface="Arial Black" panose="020B0A04020102020204" pitchFamily="34" charset="0"/>
+              </a:rPr>
+              <a:t>Statistical Methods/Model-based Methods</a:t>
+            </a:r>
+          </a:p>
+          <a:p>
+            <a:endParaRPr lang="en-US" dirty="0">
+              <a:latin typeface="Arial Black" panose="020B0A04020102020204" pitchFamily="34" charset="0"/>
+            </a:endParaRPr>
+          </a:p>
+          <a:p>
+            <a:r>
+              <a:rPr lang="en-US" dirty="0">
+                <a:latin typeface="Arial Black" panose="020B0A04020102020204" pitchFamily="34" charset="0"/>
+              </a:rPr>
+              <a:t>Data-driven Methods</a:t>
+            </a:r>
+          </a:p>
+          <a:p>
+            <a:endParaRPr lang="en-US" dirty="0">
+              <a:latin typeface="Arial Black" panose="020B0A04020102020204" pitchFamily="34" charset="0"/>
+            </a:endParaRPr>
+          </a:p>
+          <a:p>
+            <a:r>
+              <a:rPr lang="en-US" dirty="0">
+                <a:latin typeface="Arial Black" panose="020B0A04020102020204" pitchFamily="34" charset="0"/>
+              </a:rPr>
+              <a:t>Deep Learning Methods</a:t>
+            </a:r>
           </a:p>
         </p:txBody>
       </p:sp>
     </p:spTree>
     <p:extLst>
       <p:ext uri="{BB962C8B-B14F-4D97-AF65-F5344CB8AC3E}">
-        <p14:creationId xmlns:p14="http://schemas.microsoft.com/office/powerpoint/2010/main" val="172817443"/>
+        <p14:creationId xmlns:p14="http://schemas.microsoft.com/office/powerpoint/2010/main" val="3519681316"/>
+      </p:ext>
+    </p:extLst>
+  </p:cSld>
+  <p:clrMapOvr>
+    <a:masterClrMapping/>
+  </p:clrMapOvr>
+</p:sld>
+</file>
+
+<file path=ppt/slides/slide5.xml><?xml version="1.0" encoding="utf-8"?>
+<p:sld xmlns:a="http://schemas.openxmlformats.org/drawingml/2006/main" xmlns:r="http://schemas.openxmlformats.org/officeDocument/2006/relationships" xmlns:p="http://schemas.openxmlformats.org/presentationml/2006/main">
+  <p:cSld>
+    <p:spTree>
+      <p:nvGrpSpPr>
+        <p:cNvPr id="1" name=""/>
+        <p:cNvGrpSpPr/>
+        <p:nvPr/>
+      </p:nvGrpSpPr>
+      <p:grpSpPr>
+        <a:xfrm>
+          <a:off x="0" y="0"/>
+          <a:ext cx="0" cy="0"/>
+          <a:chOff x="0" y="0"/>
+          <a:chExt cx="0" cy="0"/>
+        </a:xfrm>
+      </p:grpSpPr>
+      <p:sp>
+        <p:nvSpPr>
+          <p:cNvPr id="2" name="Title 1">
+            <a:extLst>
+              <a:ext uri="{FF2B5EF4-FFF2-40B4-BE49-F238E27FC236}">
+                <a16:creationId xmlns:a16="http://schemas.microsoft.com/office/drawing/2014/main" id="{D960FEBB-0135-6E02-84C8-35CDB6863DD6}"/>
+              </a:ext>
+            </a:extLst>
+          </p:cNvPr>
+          <p:cNvSpPr>
+            <a:spLocks noGrp="1"/>
+          </p:cNvSpPr>
+          <p:nvPr>
+            <p:ph type="title"/>
+          </p:nvPr>
+        </p:nvSpPr>
+        <p:spPr/>
+        <p:txBody>
+          <a:bodyPr/>
+          <a:lstStyle/>
+          <a:p>
+            <a:r>
+              <a:rPr lang="en-US" dirty="0">
+                <a:latin typeface="Algerian" panose="04020705040A02060702" pitchFamily="82" charset="0"/>
+              </a:rPr>
+              <a:t>Traffic Forecasting &amp; DL</a:t>
+            </a:r>
+          </a:p>
+        </p:txBody>
+      </p:sp>
+      <p:sp>
+        <p:nvSpPr>
+          <p:cNvPr id="3" name="Content Placeholder 2">
+            <a:extLst>
+              <a:ext uri="{FF2B5EF4-FFF2-40B4-BE49-F238E27FC236}">
+                <a16:creationId xmlns:a16="http://schemas.microsoft.com/office/drawing/2014/main" id="{F1D2357A-1B5B-B70B-1EB9-B24560C97540}"/>
+              </a:ext>
+            </a:extLst>
+          </p:cNvPr>
+          <p:cNvSpPr>
+            <a:spLocks noGrp="1"/>
+          </p:cNvSpPr>
+          <p:nvPr>
+            <p:ph idx="1"/>
+          </p:nvPr>
+        </p:nvSpPr>
+        <p:spPr/>
+        <p:txBody>
+          <a:bodyPr/>
+          <a:lstStyle/>
+          <a:p>
+            <a:pPr marL="0" indent="0">
+              <a:buNone/>
+            </a:pPr>
+            <a:r>
+              <a:rPr lang="en-US" dirty="0">
+                <a:latin typeface="Arial Black" panose="020B0A04020102020204" pitchFamily="34" charset="0"/>
+              </a:rPr>
+              <a:t>Why GNNs?</a:t>
+            </a:r>
+          </a:p>
+          <a:p>
+            <a:pPr marL="0" indent="0">
+              <a:buNone/>
+            </a:pPr>
+            <a:r>
+              <a:rPr lang="en-US" dirty="0"/>
+              <a:t>Due to special characteristics of transportation networks, the spatial correlations are not necessarily distributed in Euclidean space</a:t>
+            </a:r>
+          </a:p>
+          <a:p>
+            <a:pPr marL="0" indent="0">
+              <a:buNone/>
+            </a:pPr>
+            <a:endParaRPr lang="en-US" dirty="0">
+              <a:latin typeface="Arial Black" panose="020B0A04020102020204" pitchFamily="34" charset="0"/>
+            </a:endParaRPr>
+          </a:p>
+          <a:p>
+            <a:pPr marL="0" indent="0">
+              <a:buNone/>
+            </a:pPr>
+            <a:endParaRPr lang="en-US" dirty="0">
+              <a:latin typeface="Arial Black" panose="020B0A04020102020204" pitchFamily="34" charset="0"/>
+            </a:endParaRPr>
+          </a:p>
+          <a:p>
+            <a:pPr marL="0" indent="0">
+              <a:buNone/>
+            </a:pPr>
+            <a:endParaRPr lang="en-US" dirty="0">
+              <a:latin typeface="Arial Black" panose="020B0A04020102020204" pitchFamily="34" charset="0"/>
+            </a:endParaRPr>
+          </a:p>
+        </p:txBody>
+      </p:sp>
+    </p:spTree>
+    <p:extLst>
+      <p:ext uri="{BB962C8B-B14F-4D97-AF65-F5344CB8AC3E}">
+        <p14:creationId xmlns:p14="http://schemas.microsoft.com/office/powerpoint/2010/main" val="2051892603"/>
+      </p:ext>
+    </p:extLst>
+  </p:cSld>
+  <p:clrMapOvr>
+    <a:masterClrMapping/>
+  </p:clrMapOvr>
+</p:sld>
+</file>
+
+<file path=ppt/slides/slide6.xml><?xml version="1.0" encoding="utf-8"?>
+<p:sld xmlns:a="http://schemas.openxmlformats.org/drawingml/2006/main" xmlns:r="http://schemas.openxmlformats.org/officeDocument/2006/relationships" xmlns:p="http://schemas.openxmlformats.org/presentationml/2006/main">
+  <p:cSld>
+    <p:spTree>
+      <p:nvGrpSpPr>
+        <p:cNvPr id="1" name=""/>
+        <p:cNvGrpSpPr/>
+        <p:nvPr/>
+      </p:nvGrpSpPr>
+      <p:grpSpPr>
+        <a:xfrm>
+          <a:off x="0" y="0"/>
+          <a:ext cx="0" cy="0"/>
+          <a:chOff x="0" y="0"/>
+          <a:chExt cx="0" cy="0"/>
+        </a:xfrm>
+      </p:grpSpPr>
+      <p:sp>
+        <p:nvSpPr>
+          <p:cNvPr id="2" name="Title 1">
+            <a:extLst>
+              <a:ext uri="{FF2B5EF4-FFF2-40B4-BE49-F238E27FC236}">
+                <a16:creationId xmlns:a16="http://schemas.microsoft.com/office/drawing/2014/main" id="{2FE493F4-C177-31B6-A2C1-4EC64B483C5A}"/>
+              </a:ext>
+            </a:extLst>
+          </p:cNvPr>
+          <p:cNvSpPr>
+            <a:spLocks noGrp="1"/>
+          </p:cNvSpPr>
+          <p:nvPr>
+            <p:ph type="title"/>
+          </p:nvPr>
+        </p:nvSpPr>
+        <p:spPr/>
+        <p:txBody>
+          <a:bodyPr/>
+          <a:lstStyle/>
+          <a:p>
+            <a:r>
+              <a:rPr lang="en-US" dirty="0">
+                <a:latin typeface="Algerian" panose="04020705040A02060702" pitchFamily="82" charset="0"/>
+              </a:rPr>
+              <a:t>Traffic State Estimation &amp; DL</a:t>
+            </a:r>
+          </a:p>
+        </p:txBody>
+      </p:sp>
+      <p:sp>
+        <p:nvSpPr>
+          <p:cNvPr id="3" name="Content Placeholder 2">
+            <a:extLst>
+              <a:ext uri="{FF2B5EF4-FFF2-40B4-BE49-F238E27FC236}">
+                <a16:creationId xmlns:a16="http://schemas.microsoft.com/office/drawing/2014/main" id="{27E38187-A87F-0013-358C-FE21CF2D38D4}"/>
+              </a:ext>
+            </a:extLst>
+          </p:cNvPr>
+          <p:cNvSpPr>
+            <a:spLocks noGrp="1"/>
+          </p:cNvSpPr>
+          <p:nvPr>
+            <p:ph idx="1"/>
+          </p:nvPr>
+        </p:nvSpPr>
+        <p:spPr/>
+        <p:txBody>
+          <a:bodyPr/>
+          <a:lstStyle/>
+          <a:p>
+            <a:endParaRPr lang="en-US" dirty="0"/>
+          </a:p>
+        </p:txBody>
+      </p:sp>
+    </p:spTree>
+    <p:extLst>
+      <p:ext uri="{BB962C8B-B14F-4D97-AF65-F5344CB8AC3E}">
+        <p14:creationId xmlns:p14="http://schemas.microsoft.com/office/powerpoint/2010/main" val="4244363221"/>
       </p:ext>
     </p:extLst>
   </p:cSld>

--- a/Rinko_Drafts/A Brief Survey on Deep Learning in.pptx
+++ b/Rinko_Drafts/A Brief Survey on Deep Learning in.pptx
@@ -5,15 +5,20 @@
     <p:sldMasterId id="2147483648" r:id="rId1"/>
   </p:sldMasterIdLst>
   <p:notesMasterIdLst>
-    <p:notesMasterId r:id="rId8"/>
+    <p:notesMasterId r:id="rId13"/>
   </p:notesMasterIdLst>
   <p:sldIdLst>
     <p:sldId id="256" r:id="rId2"/>
     <p:sldId id="257" r:id="rId3"/>
     <p:sldId id="260" r:id="rId4"/>
-    <p:sldId id="261" r:id="rId5"/>
-    <p:sldId id="262" r:id="rId6"/>
+    <p:sldId id="264" r:id="rId5"/>
+    <p:sldId id="270" r:id="rId6"/>
     <p:sldId id="263" r:id="rId7"/>
+    <p:sldId id="266" r:id="rId8"/>
+    <p:sldId id="271" r:id="rId9"/>
+    <p:sldId id="269" r:id="rId10"/>
+    <p:sldId id="267" r:id="rId11"/>
+    <p:sldId id="268" r:id="rId12"/>
   </p:sldIdLst>
   <p:sldSz cx="12192000" cy="6858000"/>
   <p:notesSz cx="6858000" cy="9144000"/>
@@ -120,9 +125,14 @@
             <p14:sldId id="256"/>
             <p14:sldId id="257"/>
             <p14:sldId id="260"/>
-            <p14:sldId id="261"/>
-            <p14:sldId id="262"/>
+            <p14:sldId id="264"/>
+            <p14:sldId id="270"/>
             <p14:sldId id="263"/>
+            <p14:sldId id="266"/>
+            <p14:sldId id="271"/>
+            <p14:sldId id="269"/>
+            <p14:sldId id="267"/>
+            <p14:sldId id="268"/>
           </p14:sldIdLst>
         </p14:section>
         <p14:section name="Untitled Section" id="{E4F2C716-5593-422F-B571-9395C58B0BE1}">
@@ -810,6 +820,648 @@
     <p:extLst>
       <p:ext uri="{BB962C8B-B14F-4D97-AF65-F5344CB8AC3E}">
         <p14:creationId xmlns:p14="http://schemas.microsoft.com/office/powerpoint/2010/main" val="1206358748"/>
+      </p:ext>
+    </p:extLst>
+  </p:cSld>
+  <p:clrMapOvr>
+    <a:masterClrMapping/>
+  </p:clrMapOvr>
+</p:notes>
+</file>
+
+<file path=ppt/notesSlides/notesSlide3.xml><?xml version="1.0" encoding="utf-8"?>
+<p:notes xmlns:a="http://schemas.openxmlformats.org/drawingml/2006/main" xmlns:r="http://schemas.openxmlformats.org/officeDocument/2006/relationships" xmlns:p="http://schemas.openxmlformats.org/presentationml/2006/main">
+  <p:cSld>
+    <p:spTree>
+      <p:nvGrpSpPr>
+        <p:cNvPr id="1" name=""/>
+        <p:cNvGrpSpPr/>
+        <p:nvPr/>
+      </p:nvGrpSpPr>
+      <p:grpSpPr>
+        <a:xfrm>
+          <a:off x="0" y="0"/>
+          <a:ext cx="0" cy="0"/>
+          <a:chOff x="0" y="0"/>
+          <a:chExt cx="0" cy="0"/>
+        </a:xfrm>
+      </p:grpSpPr>
+      <p:sp>
+        <p:nvSpPr>
+          <p:cNvPr id="2" name="Slide Image Placeholder 1"/>
+          <p:cNvSpPr>
+            <a:spLocks noGrp="1" noRot="1" noChangeAspect="1"/>
+          </p:cNvSpPr>
+          <p:nvPr>
+            <p:ph type="sldImg"/>
+          </p:nvPr>
+        </p:nvSpPr>
+        <p:spPr/>
+      </p:sp>
+      <p:sp>
+        <p:nvSpPr>
+          <p:cNvPr id="3" name="Notes Placeholder 2"/>
+          <p:cNvSpPr>
+            <a:spLocks noGrp="1"/>
+          </p:cNvSpPr>
+          <p:nvPr>
+            <p:ph type="body" idx="1"/>
+          </p:nvPr>
+        </p:nvSpPr>
+        <p:spPr/>
+        <p:txBody>
+          <a:bodyPr/>
+          <a:lstStyle/>
+          <a:p>
+            <a:pPr marL="228600" indent="-228600">
+              <a:buAutoNum type="arabicPeriod"/>
+            </a:pPr>
+            <a:r>
+              <a:rPr lang="en-US" dirty="0"/>
+              <a:t>STGCN, which has two spatial-temporal convolutional blocks, followed by a fully connected layer. ST-</a:t>
+            </a:r>
+            <a:r>
+              <a:rPr lang="en-US" dirty="0" err="1"/>
+              <a:t>Cov</a:t>
+            </a:r>
+            <a:r>
+              <a:rPr lang="en-US" dirty="0"/>
+              <a:t> includes two temporal gated convolution layers(for considering temporal correlations). And two temporal gated convolution surround one spatial graph convolutional layers(spatial dependencies)</a:t>
+            </a:r>
+          </a:p>
+          <a:p>
+            <a:pPr marL="228600" indent="-228600">
+              <a:buAutoNum type="arabicPeriod"/>
+            </a:pPr>
+            <a:endParaRPr lang="en-US" dirty="0"/>
+          </a:p>
+        </p:txBody>
+      </p:sp>
+      <p:sp>
+        <p:nvSpPr>
+          <p:cNvPr id="4" name="Slide Number Placeholder 3"/>
+          <p:cNvSpPr>
+            <a:spLocks noGrp="1"/>
+          </p:cNvSpPr>
+          <p:nvPr>
+            <p:ph type="sldNum" sz="quarter" idx="5"/>
+          </p:nvPr>
+        </p:nvSpPr>
+        <p:spPr/>
+        <p:txBody>
+          <a:bodyPr/>
+          <a:lstStyle/>
+          <a:p>
+            <a:fld id="{A81C4A58-5C1F-443D-B915-E10A8F80DD8C}" type="slidenum">
+              <a:rPr lang="en-US" smtClean="0"/>
+              <a:t>4</a:t>
+            </a:fld>
+            <a:endParaRPr lang="en-US"/>
+          </a:p>
+        </p:txBody>
+      </p:sp>
+    </p:spTree>
+    <p:extLst>
+      <p:ext uri="{BB962C8B-B14F-4D97-AF65-F5344CB8AC3E}">
+        <p14:creationId xmlns:p14="http://schemas.microsoft.com/office/powerpoint/2010/main" val="4132894709"/>
+      </p:ext>
+    </p:extLst>
+  </p:cSld>
+  <p:clrMapOvr>
+    <a:masterClrMapping/>
+  </p:clrMapOvr>
+</p:notes>
+</file>
+
+<file path=ppt/notesSlides/notesSlide4.xml><?xml version="1.0" encoding="utf-8"?>
+<p:notes xmlns:a="http://schemas.openxmlformats.org/drawingml/2006/main" xmlns:r="http://schemas.openxmlformats.org/officeDocument/2006/relationships" xmlns:p="http://schemas.openxmlformats.org/presentationml/2006/main">
+  <p:cSld>
+    <p:spTree>
+      <p:nvGrpSpPr>
+        <p:cNvPr id="1" name=""/>
+        <p:cNvGrpSpPr/>
+        <p:nvPr/>
+      </p:nvGrpSpPr>
+      <p:grpSpPr>
+        <a:xfrm>
+          <a:off x="0" y="0"/>
+          <a:ext cx="0" cy="0"/>
+          <a:chOff x="0" y="0"/>
+          <a:chExt cx="0" cy="0"/>
+        </a:xfrm>
+      </p:grpSpPr>
+      <p:sp>
+        <p:nvSpPr>
+          <p:cNvPr id="2" name="Slide Image Placeholder 1"/>
+          <p:cNvSpPr>
+            <a:spLocks noGrp="1" noRot="1" noChangeAspect="1"/>
+          </p:cNvSpPr>
+          <p:nvPr>
+            <p:ph type="sldImg"/>
+          </p:nvPr>
+        </p:nvSpPr>
+        <p:spPr/>
+      </p:sp>
+      <p:sp>
+        <p:nvSpPr>
+          <p:cNvPr id="3" name="Notes Placeholder 2"/>
+          <p:cNvSpPr>
+            <a:spLocks noGrp="1"/>
+          </p:cNvSpPr>
+          <p:nvPr>
+            <p:ph type="body" idx="1"/>
+          </p:nvPr>
+        </p:nvSpPr>
+        <p:spPr/>
+        <p:txBody>
+          <a:bodyPr/>
+          <a:lstStyle/>
+          <a:p>
+            <a:pPr marL="228600" indent="-228600">
+              <a:buAutoNum type="arabicPeriod"/>
+            </a:pPr>
+            <a:r>
+              <a:rPr lang="en-US" dirty="0"/>
+              <a:t>Data efficiency: By incorporating physical laws, PINNs can achieve good performance with less data compared to purely data-driven models.</a:t>
+            </a:r>
+          </a:p>
+          <a:p>
+            <a:pPr marL="228600" indent="-228600">
+              <a:buAutoNum type="arabicPeriod"/>
+            </a:pPr>
+            <a:r>
+              <a:rPr lang="en-US" dirty="0"/>
+              <a:t>Generalization : Models are more likely to generalize well to new scenarios since they are constrained by known physics.</a:t>
+            </a:r>
+          </a:p>
+          <a:p>
+            <a:pPr marL="228600" indent="-228600">
+              <a:buAutoNum type="arabicPeriod"/>
+            </a:pPr>
+            <a:r>
+              <a:rPr lang="en-US" b="1" dirty="0"/>
+              <a:t>Interpretability</a:t>
+            </a:r>
+            <a:r>
+              <a:rPr lang="en-US" dirty="0"/>
+              <a:t>: The inclusion of physical laws provides a clear rationale for the model's predictions, enhancing interpretability.</a:t>
+            </a:r>
+          </a:p>
+          <a:p>
+            <a:pPr marL="228600" indent="-228600">
+              <a:buAutoNum type="arabicPeriod"/>
+            </a:pPr>
+            <a:endParaRPr lang="en-US" dirty="0"/>
+          </a:p>
+          <a:p>
+            <a:pPr marL="228600" indent="-228600">
+              <a:buAutoNum type="arabicPeriod"/>
+            </a:pPr>
+            <a:r>
+              <a:rPr lang="en-US" dirty="0"/>
+              <a:t>Designing appropriate loss functions and neural network architectures can be complex.</a:t>
+            </a:r>
+          </a:p>
+          <a:p>
+            <a:pPr marL="228600" indent="-228600">
+              <a:buAutoNum type="arabicPeriod"/>
+            </a:pPr>
+            <a:r>
+              <a:rPr lang="en-US" dirty="0"/>
+              <a:t>Training PINNs can be computationally intensive, particularly for high-dimensional problems.</a:t>
+            </a:r>
+          </a:p>
+          <a:p>
+            <a:pPr marL="228600" indent="-228600">
+              <a:buAutoNum type="arabicPeriod"/>
+            </a:pPr>
+            <a:r>
+              <a:rPr lang="en-US" dirty="0"/>
+              <a:t>Ensuring the accuracy of physics-informed models in scenarios with noisy or incomplete data.</a:t>
+            </a:r>
+          </a:p>
+          <a:p>
+            <a:pPr marL="228600" indent="-228600">
+              <a:buAutoNum type="arabicPeriod"/>
+            </a:pPr>
+            <a:endParaRPr lang="en-US" dirty="0"/>
+          </a:p>
+        </p:txBody>
+      </p:sp>
+      <p:sp>
+        <p:nvSpPr>
+          <p:cNvPr id="4" name="Slide Number Placeholder 3"/>
+          <p:cNvSpPr>
+            <a:spLocks noGrp="1"/>
+          </p:cNvSpPr>
+          <p:nvPr>
+            <p:ph type="sldNum" sz="quarter" idx="5"/>
+          </p:nvPr>
+        </p:nvSpPr>
+        <p:spPr/>
+        <p:txBody>
+          <a:bodyPr/>
+          <a:lstStyle/>
+          <a:p>
+            <a:fld id="{A81C4A58-5C1F-443D-B915-E10A8F80DD8C}" type="slidenum">
+              <a:rPr lang="en-US" smtClean="0"/>
+              <a:t>7</a:t>
+            </a:fld>
+            <a:endParaRPr lang="en-US"/>
+          </a:p>
+        </p:txBody>
+      </p:sp>
+    </p:spTree>
+    <p:extLst>
+      <p:ext uri="{BB962C8B-B14F-4D97-AF65-F5344CB8AC3E}">
+        <p14:creationId xmlns:p14="http://schemas.microsoft.com/office/powerpoint/2010/main" val="2520953991"/>
+      </p:ext>
+    </p:extLst>
+  </p:cSld>
+  <p:clrMapOvr>
+    <a:masterClrMapping/>
+  </p:clrMapOvr>
+</p:notes>
+</file>
+
+<file path=ppt/notesSlides/notesSlide5.xml><?xml version="1.0" encoding="utf-8"?>
+<p:notes xmlns:a="http://schemas.openxmlformats.org/drawingml/2006/main" xmlns:r="http://schemas.openxmlformats.org/officeDocument/2006/relationships" xmlns:p="http://schemas.openxmlformats.org/presentationml/2006/main">
+  <p:cSld>
+    <p:spTree>
+      <p:nvGrpSpPr>
+        <p:cNvPr id="1" name=""/>
+        <p:cNvGrpSpPr/>
+        <p:nvPr/>
+      </p:nvGrpSpPr>
+      <p:grpSpPr>
+        <a:xfrm>
+          <a:off x="0" y="0"/>
+          <a:ext cx="0" cy="0"/>
+          <a:chOff x="0" y="0"/>
+          <a:chExt cx="0" cy="0"/>
+        </a:xfrm>
+      </p:grpSpPr>
+      <p:sp>
+        <p:nvSpPr>
+          <p:cNvPr id="2" name="Slide Image Placeholder 1"/>
+          <p:cNvSpPr>
+            <a:spLocks noGrp="1" noRot="1" noChangeAspect="1"/>
+          </p:cNvSpPr>
+          <p:nvPr>
+            <p:ph type="sldImg"/>
+          </p:nvPr>
+        </p:nvSpPr>
+        <p:spPr/>
+      </p:sp>
+      <p:sp>
+        <p:nvSpPr>
+          <p:cNvPr id="3" name="Notes Placeholder 2"/>
+          <p:cNvSpPr>
+            <a:spLocks noGrp="1"/>
+          </p:cNvSpPr>
+          <p:nvPr>
+            <p:ph type="body" idx="1"/>
+          </p:nvPr>
+        </p:nvSpPr>
+        <p:spPr/>
+        <p:txBody>
+          <a:bodyPr/>
+          <a:lstStyle/>
+          <a:p>
+            <a:endParaRPr lang="en-US" dirty="0"/>
+          </a:p>
+        </p:txBody>
+      </p:sp>
+      <p:sp>
+        <p:nvSpPr>
+          <p:cNvPr id="4" name="Slide Number Placeholder 3"/>
+          <p:cNvSpPr>
+            <a:spLocks noGrp="1"/>
+          </p:cNvSpPr>
+          <p:nvPr>
+            <p:ph type="sldNum" sz="quarter" idx="5"/>
+          </p:nvPr>
+        </p:nvSpPr>
+        <p:spPr/>
+        <p:txBody>
+          <a:bodyPr/>
+          <a:lstStyle/>
+          <a:p>
+            <a:fld id="{A81C4A58-5C1F-443D-B915-E10A8F80DD8C}" type="slidenum">
+              <a:rPr lang="en-US" smtClean="0"/>
+              <a:t>8</a:t>
+            </a:fld>
+            <a:endParaRPr lang="en-US"/>
+          </a:p>
+        </p:txBody>
+      </p:sp>
+    </p:spTree>
+    <p:extLst>
+      <p:ext uri="{BB962C8B-B14F-4D97-AF65-F5344CB8AC3E}">
+        <p14:creationId xmlns:p14="http://schemas.microsoft.com/office/powerpoint/2010/main" val="1202151143"/>
+      </p:ext>
+    </p:extLst>
+  </p:cSld>
+  <p:clrMapOvr>
+    <a:masterClrMapping/>
+  </p:clrMapOvr>
+</p:notes>
+</file>
+
+<file path=ppt/notesSlides/notesSlide6.xml><?xml version="1.0" encoding="utf-8"?>
+<p:notes xmlns:a="http://schemas.openxmlformats.org/drawingml/2006/main" xmlns:r="http://schemas.openxmlformats.org/officeDocument/2006/relationships" xmlns:p="http://schemas.openxmlformats.org/presentationml/2006/main">
+  <p:cSld>
+    <p:spTree>
+      <p:nvGrpSpPr>
+        <p:cNvPr id="1" name=""/>
+        <p:cNvGrpSpPr/>
+        <p:nvPr/>
+      </p:nvGrpSpPr>
+      <p:grpSpPr>
+        <a:xfrm>
+          <a:off x="0" y="0"/>
+          <a:ext cx="0" cy="0"/>
+          <a:chOff x="0" y="0"/>
+          <a:chExt cx="0" cy="0"/>
+        </a:xfrm>
+      </p:grpSpPr>
+      <p:sp>
+        <p:nvSpPr>
+          <p:cNvPr id="2" name="Slide Image Placeholder 1"/>
+          <p:cNvSpPr>
+            <a:spLocks noGrp="1" noRot="1" noChangeAspect="1"/>
+          </p:cNvSpPr>
+          <p:nvPr>
+            <p:ph type="sldImg"/>
+          </p:nvPr>
+        </p:nvSpPr>
+        <p:spPr/>
+      </p:sp>
+      <p:sp>
+        <p:nvSpPr>
+          <p:cNvPr id="3" name="Notes Placeholder 2"/>
+          <p:cNvSpPr>
+            <a:spLocks noGrp="1"/>
+          </p:cNvSpPr>
+          <p:nvPr>
+            <p:ph type="body" idx="1"/>
+          </p:nvPr>
+        </p:nvSpPr>
+        <p:spPr/>
+        <p:txBody>
+          <a:bodyPr/>
+          <a:lstStyle/>
+          <a:p>
+            <a:pPr marL="342900" indent="-342900" algn="l">
+              <a:buAutoNum type="arabicPeriod"/>
+            </a:pPr>
+            <a:r>
+              <a:rPr lang="en-US" sz="1800" b="0" i="0" u="none" strike="noStrike" baseline="0" dirty="0">
+                <a:latin typeface="NimbusRomNo9L-Regu"/>
+              </a:rPr>
+              <a:t>interpretability of neural network is usually domain-specified, I believe the type of interpretability offered in KANs satisfies the universal needs in transportation science.</a:t>
+            </a:r>
+          </a:p>
+          <a:p>
+            <a:pPr algn="l"/>
+            <a:r>
+              <a:rPr lang="en-US" sz="1800" b="0" i="0" u="none" strike="noStrike" baseline="0" dirty="0">
+                <a:latin typeface="NimbusRomNo9L-Regu"/>
+              </a:rPr>
+              <a:t>2. Considering that many urban areas suffer from insufficient historical traffic data for training deep learning models, transfer learning could speed up the development of graph-based deep learning models in such areas. Nevertheless, the transferability of GNN-based frameworks for traffic forecasting has not yet been extensively studied and requires special attention. It is not practical to train every model for new cities or areas from the scratch, even if the required historical data would be available.</a:t>
+            </a:r>
+            <a:endParaRPr lang="en-US" dirty="0"/>
+          </a:p>
+        </p:txBody>
+      </p:sp>
+      <p:sp>
+        <p:nvSpPr>
+          <p:cNvPr id="4" name="Slide Number Placeholder 3"/>
+          <p:cNvSpPr>
+            <a:spLocks noGrp="1"/>
+          </p:cNvSpPr>
+          <p:nvPr>
+            <p:ph type="sldNum" sz="quarter" idx="5"/>
+          </p:nvPr>
+        </p:nvSpPr>
+        <p:spPr/>
+        <p:txBody>
+          <a:bodyPr/>
+          <a:lstStyle/>
+          <a:p>
+            <a:fld id="{A81C4A58-5C1F-443D-B915-E10A8F80DD8C}" type="slidenum">
+              <a:rPr lang="en-US" smtClean="0"/>
+              <a:t>9</a:t>
+            </a:fld>
+            <a:endParaRPr lang="en-US"/>
+          </a:p>
+        </p:txBody>
+      </p:sp>
+    </p:spTree>
+    <p:extLst>
+      <p:ext uri="{BB962C8B-B14F-4D97-AF65-F5344CB8AC3E}">
+        <p14:creationId xmlns:p14="http://schemas.microsoft.com/office/powerpoint/2010/main" val="3180660492"/>
+      </p:ext>
+    </p:extLst>
+  </p:cSld>
+  <p:clrMapOvr>
+    <a:masterClrMapping/>
+  </p:clrMapOvr>
+</p:notes>
+</file>
+
+<file path=ppt/notesSlides/notesSlide7.xml><?xml version="1.0" encoding="utf-8"?>
+<p:notes xmlns:a="http://schemas.openxmlformats.org/drawingml/2006/main" xmlns:r="http://schemas.openxmlformats.org/officeDocument/2006/relationships" xmlns:p="http://schemas.openxmlformats.org/presentationml/2006/main">
+  <p:cSld>
+    <p:spTree>
+      <p:nvGrpSpPr>
+        <p:cNvPr id="1" name=""/>
+        <p:cNvGrpSpPr/>
+        <p:nvPr/>
+      </p:nvGrpSpPr>
+      <p:grpSpPr>
+        <a:xfrm>
+          <a:off x="0" y="0"/>
+          <a:ext cx="0" cy="0"/>
+          <a:chOff x="0" y="0"/>
+          <a:chExt cx="0" cy="0"/>
+        </a:xfrm>
+      </p:grpSpPr>
+      <p:sp>
+        <p:nvSpPr>
+          <p:cNvPr id="2" name="Slide Image Placeholder 1"/>
+          <p:cNvSpPr>
+            <a:spLocks noGrp="1" noRot="1" noChangeAspect="1"/>
+          </p:cNvSpPr>
+          <p:nvPr>
+            <p:ph type="sldImg"/>
+          </p:nvPr>
+        </p:nvSpPr>
+        <p:spPr/>
+      </p:sp>
+      <p:sp>
+        <p:nvSpPr>
+          <p:cNvPr id="3" name="Notes Placeholder 2"/>
+          <p:cNvSpPr>
+            <a:spLocks noGrp="1"/>
+          </p:cNvSpPr>
+          <p:nvPr>
+            <p:ph type="body" idx="1"/>
+          </p:nvPr>
+        </p:nvSpPr>
+        <p:spPr/>
+        <p:txBody>
+          <a:bodyPr/>
+          <a:lstStyle/>
+          <a:p>
+            <a:endParaRPr lang="en-US" dirty="0"/>
+          </a:p>
+        </p:txBody>
+      </p:sp>
+      <p:sp>
+        <p:nvSpPr>
+          <p:cNvPr id="4" name="Slide Number Placeholder 3"/>
+          <p:cNvSpPr>
+            <a:spLocks noGrp="1"/>
+          </p:cNvSpPr>
+          <p:nvPr>
+            <p:ph type="sldNum" sz="quarter" idx="5"/>
+          </p:nvPr>
+        </p:nvSpPr>
+        <p:spPr/>
+        <p:txBody>
+          <a:bodyPr/>
+          <a:lstStyle/>
+          <a:p>
+            <a:fld id="{A81C4A58-5C1F-443D-B915-E10A8F80DD8C}" type="slidenum">
+              <a:rPr lang="en-US" smtClean="0"/>
+              <a:t>10</a:t>
+            </a:fld>
+            <a:endParaRPr lang="en-US"/>
+          </a:p>
+        </p:txBody>
+      </p:sp>
+    </p:spTree>
+    <p:extLst>
+      <p:ext uri="{BB962C8B-B14F-4D97-AF65-F5344CB8AC3E}">
+        <p14:creationId xmlns:p14="http://schemas.microsoft.com/office/powerpoint/2010/main" val="919074495"/>
+      </p:ext>
+    </p:extLst>
+  </p:cSld>
+  <p:clrMapOvr>
+    <a:masterClrMapping/>
+  </p:clrMapOvr>
+</p:notes>
+</file>
+
+<file path=ppt/notesSlides/notesSlide8.xml><?xml version="1.0" encoding="utf-8"?>
+<p:notes xmlns:a="http://schemas.openxmlformats.org/drawingml/2006/main" xmlns:r="http://schemas.openxmlformats.org/officeDocument/2006/relationships" xmlns:p="http://schemas.openxmlformats.org/presentationml/2006/main">
+  <p:cSld>
+    <p:spTree>
+      <p:nvGrpSpPr>
+        <p:cNvPr id="1" name=""/>
+        <p:cNvGrpSpPr/>
+        <p:nvPr/>
+      </p:nvGrpSpPr>
+      <p:grpSpPr>
+        <a:xfrm>
+          <a:off x="0" y="0"/>
+          <a:ext cx="0" cy="0"/>
+          <a:chOff x="0" y="0"/>
+          <a:chExt cx="0" cy="0"/>
+        </a:xfrm>
+      </p:grpSpPr>
+      <p:sp>
+        <p:nvSpPr>
+          <p:cNvPr id="2" name="Slide Image Placeholder 1"/>
+          <p:cNvSpPr>
+            <a:spLocks noGrp="1" noRot="1" noChangeAspect="1"/>
+          </p:cNvSpPr>
+          <p:nvPr>
+            <p:ph type="sldImg"/>
+          </p:nvPr>
+        </p:nvSpPr>
+        <p:spPr/>
+      </p:sp>
+      <p:sp>
+        <p:nvSpPr>
+          <p:cNvPr id="3" name="Notes Placeholder 2"/>
+          <p:cNvSpPr>
+            <a:spLocks noGrp="1"/>
+          </p:cNvSpPr>
+          <p:nvPr>
+            <p:ph type="body" idx="1"/>
+          </p:nvPr>
+        </p:nvSpPr>
+        <p:spPr/>
+        <p:txBody>
+          <a:bodyPr/>
+          <a:lstStyle/>
+          <a:p>
+            <a:pPr marL="228600" indent="-228600" algn="l">
+              <a:buAutoNum type="arabicPeriod"/>
+            </a:pPr>
+            <a:r>
+              <a:rPr lang="en-US" dirty="0"/>
+              <a:t>KART: </a:t>
+            </a:r>
+            <a:r>
+              <a:rPr lang="en-US" sz="1800" b="0" i="0" u="none" strike="noStrike" baseline="0" dirty="0">
+                <a:latin typeface="NimbusRomNo9L-Regu"/>
+              </a:rPr>
+              <a:t>all the function can be approximated with sum of finite number of univariate functions.</a:t>
+            </a:r>
+          </a:p>
+          <a:p>
+            <a:pPr marL="228600" indent="-228600" algn="l">
+              <a:buAutoNum type="arabicPeriod"/>
+            </a:pPr>
+            <a:r>
+              <a:rPr lang="en-US" sz="1800" b="0" i="0" u="none" strike="noStrike" baseline="0" dirty="0">
+                <a:latin typeface="NimbusRomNo9L-Regu"/>
+              </a:rPr>
+              <a:t>Why now? KART is not new.</a:t>
+            </a:r>
+          </a:p>
+          <a:p>
+            <a:pPr algn="l"/>
+            <a:r>
+              <a:rPr lang="en-US" sz="1800" b="0" i="0" u="none" strike="noStrike" baseline="0" dirty="0">
+                <a:latin typeface="NimbusRomNo9L-Regu"/>
+              </a:rPr>
+              <a:t>3.   Liu et al. proposed a neural network framework by substituting linear weights with spline-based univariate functions along the of the network, and the functions are specifically structured as learnable activation functions.</a:t>
+            </a:r>
+            <a:endParaRPr lang="en-US" dirty="0"/>
+          </a:p>
+        </p:txBody>
+      </p:sp>
+      <p:sp>
+        <p:nvSpPr>
+          <p:cNvPr id="4" name="Slide Number Placeholder 3"/>
+          <p:cNvSpPr>
+            <a:spLocks noGrp="1"/>
+          </p:cNvSpPr>
+          <p:nvPr>
+            <p:ph type="sldNum" sz="quarter" idx="5"/>
+          </p:nvPr>
+        </p:nvSpPr>
+        <p:spPr/>
+        <p:txBody>
+          <a:bodyPr/>
+          <a:lstStyle/>
+          <a:p>
+            <a:fld id="{A81C4A58-5C1F-443D-B915-E10A8F80DD8C}" type="slidenum">
+              <a:rPr lang="en-US" smtClean="0"/>
+              <a:t>11</a:t>
+            </a:fld>
+            <a:endParaRPr lang="en-US"/>
+          </a:p>
+        </p:txBody>
+      </p:sp>
+    </p:spTree>
+    <p:extLst>
+      <p:ext uri="{BB962C8B-B14F-4D97-AF65-F5344CB8AC3E}">
+        <p14:creationId xmlns:p14="http://schemas.microsoft.com/office/powerpoint/2010/main" val="4121149852"/>
       </p:ext>
     </p:extLst>
   </p:cSld>
@@ -4177,6 +4829,264 @@
 </p:sld>
 </file>
 
+<file path=ppt/slides/slide10.xml><?xml version="1.0" encoding="utf-8"?>
+<p:sld xmlns:a="http://schemas.openxmlformats.org/drawingml/2006/main" xmlns:r="http://schemas.openxmlformats.org/officeDocument/2006/relationships" xmlns:p="http://schemas.openxmlformats.org/presentationml/2006/main">
+  <p:cSld>
+    <p:spTree>
+      <p:nvGrpSpPr>
+        <p:cNvPr id="1" name=""/>
+        <p:cNvGrpSpPr/>
+        <p:nvPr/>
+      </p:nvGrpSpPr>
+      <p:grpSpPr>
+        <a:xfrm>
+          <a:off x="0" y="0"/>
+          <a:ext cx="0" cy="0"/>
+          <a:chOff x="0" y="0"/>
+          <a:chExt cx="0" cy="0"/>
+        </a:xfrm>
+      </p:grpSpPr>
+      <p:sp>
+        <p:nvSpPr>
+          <p:cNvPr id="2" name="Title 1">
+            <a:extLst>
+              <a:ext uri="{FF2B5EF4-FFF2-40B4-BE49-F238E27FC236}">
+                <a16:creationId xmlns:a16="http://schemas.microsoft.com/office/drawing/2014/main" id="{A8EB25C7-8611-9CC9-3ABD-06B8624C2FFD}"/>
+              </a:ext>
+            </a:extLst>
+          </p:cNvPr>
+          <p:cNvSpPr>
+            <a:spLocks noGrp="1"/>
+          </p:cNvSpPr>
+          <p:nvPr>
+            <p:ph type="title"/>
+          </p:nvPr>
+        </p:nvSpPr>
+        <p:spPr/>
+        <p:txBody>
+          <a:bodyPr/>
+          <a:lstStyle/>
+          <a:p>
+            <a:r>
+              <a:rPr lang="en-US" dirty="0">
+                <a:latin typeface="Algerian" panose="04020705040A02060702" pitchFamily="82" charset="0"/>
+              </a:rPr>
+              <a:t>Future research direction</a:t>
+            </a:r>
+          </a:p>
+        </p:txBody>
+      </p:sp>
+      <p:sp>
+        <p:nvSpPr>
+          <p:cNvPr id="3" name="Content Placeholder 2">
+            <a:extLst>
+              <a:ext uri="{FF2B5EF4-FFF2-40B4-BE49-F238E27FC236}">
+                <a16:creationId xmlns:a16="http://schemas.microsoft.com/office/drawing/2014/main" id="{1675F2F5-E5DD-FA38-C243-E4245D3B00C2}"/>
+              </a:ext>
+            </a:extLst>
+          </p:cNvPr>
+          <p:cNvSpPr>
+            <a:spLocks noGrp="1"/>
+          </p:cNvSpPr>
+          <p:nvPr>
+            <p:ph idx="1"/>
+          </p:nvPr>
+        </p:nvSpPr>
+        <p:spPr/>
+        <p:txBody>
+          <a:bodyPr/>
+          <a:lstStyle/>
+          <a:p>
+            <a:pPr marL="0" indent="0" algn="ctr">
+              <a:buNone/>
+            </a:pPr>
+            <a:endParaRPr lang="en-US" dirty="0"/>
+          </a:p>
+          <a:p>
+            <a:pPr marL="0" indent="0" algn="ctr">
+              <a:buNone/>
+            </a:pPr>
+            <a:endParaRPr lang="en-US" dirty="0">
+              <a:latin typeface="Elephant" panose="02020904090505020303" pitchFamily="18" charset="0"/>
+            </a:endParaRPr>
+          </a:p>
+          <a:p>
+            <a:pPr marL="0" indent="0" algn="ctr">
+              <a:buNone/>
+            </a:pPr>
+            <a:endParaRPr lang="en-US" dirty="0">
+              <a:latin typeface="Elephant" panose="02020904090505020303" pitchFamily="18" charset="0"/>
+            </a:endParaRPr>
+          </a:p>
+          <a:p>
+            <a:pPr marL="0" indent="0" algn="ctr">
+              <a:buNone/>
+            </a:pPr>
+            <a:r>
+              <a:rPr lang="en-US" dirty="0">
+                <a:latin typeface="Elephant" panose="02020904090505020303" pitchFamily="18" charset="0"/>
+              </a:rPr>
+              <a:t>Kolmogorov-Arnold Networks(KANs)</a:t>
+            </a:r>
+          </a:p>
+          <a:p>
+            <a:pPr lvl="1"/>
+            <a:endParaRPr lang="en-US" dirty="0"/>
+          </a:p>
+        </p:txBody>
+      </p:sp>
+    </p:spTree>
+    <p:extLst>
+      <p:ext uri="{BB962C8B-B14F-4D97-AF65-F5344CB8AC3E}">
+        <p14:creationId xmlns:p14="http://schemas.microsoft.com/office/powerpoint/2010/main" val="4016135782"/>
+      </p:ext>
+    </p:extLst>
+  </p:cSld>
+  <p:clrMapOvr>
+    <a:masterClrMapping/>
+  </p:clrMapOvr>
+</p:sld>
+</file>
+
+<file path=ppt/slides/slide11.xml><?xml version="1.0" encoding="utf-8"?>
+<p:sld xmlns:a="http://schemas.openxmlformats.org/drawingml/2006/main" xmlns:r="http://schemas.openxmlformats.org/officeDocument/2006/relationships" xmlns:p="http://schemas.openxmlformats.org/presentationml/2006/main">
+  <p:cSld>
+    <p:spTree>
+      <p:nvGrpSpPr>
+        <p:cNvPr id="1" name=""/>
+        <p:cNvGrpSpPr/>
+        <p:nvPr/>
+      </p:nvGrpSpPr>
+      <p:grpSpPr>
+        <a:xfrm>
+          <a:off x="0" y="0"/>
+          <a:ext cx="0" cy="0"/>
+          <a:chOff x="0" y="0"/>
+          <a:chExt cx="0" cy="0"/>
+        </a:xfrm>
+      </p:grpSpPr>
+      <p:sp>
+        <p:nvSpPr>
+          <p:cNvPr id="2" name="Title 1">
+            <a:extLst>
+              <a:ext uri="{FF2B5EF4-FFF2-40B4-BE49-F238E27FC236}">
+                <a16:creationId xmlns:a16="http://schemas.microsoft.com/office/drawing/2014/main" id="{0D278C28-11EE-F9FC-73B0-EAA24C00BE6E}"/>
+              </a:ext>
+            </a:extLst>
+          </p:cNvPr>
+          <p:cNvSpPr>
+            <a:spLocks noGrp="1"/>
+          </p:cNvSpPr>
+          <p:nvPr>
+            <p:ph type="title"/>
+          </p:nvPr>
+        </p:nvSpPr>
+        <p:spPr/>
+        <p:txBody>
+          <a:bodyPr>
+            <a:normAutofit fontScale="90000"/>
+          </a:bodyPr>
+          <a:lstStyle/>
+          <a:p>
+            <a:r>
+              <a:rPr lang="en-US" dirty="0">
+                <a:latin typeface="Algerian" panose="04020705040A02060702" pitchFamily="82" charset="0"/>
+              </a:rPr>
+              <a:t>Kolmogorov-Arnold Networks(KANs)</a:t>
+            </a:r>
+            <a:br>
+              <a:rPr lang="en-US" dirty="0">
+                <a:latin typeface="Elephant" panose="02020904090505020303" pitchFamily="18" charset="0"/>
+              </a:rPr>
+            </a:br>
+            <a:endParaRPr lang="en-US" dirty="0"/>
+          </a:p>
+        </p:txBody>
+      </p:sp>
+      <p:sp>
+        <p:nvSpPr>
+          <p:cNvPr id="3" name="Content Placeholder 2">
+            <a:extLst>
+              <a:ext uri="{FF2B5EF4-FFF2-40B4-BE49-F238E27FC236}">
+                <a16:creationId xmlns:a16="http://schemas.microsoft.com/office/drawing/2014/main" id="{BD85EC5F-0066-E7BF-F0EF-068682D97EDE}"/>
+              </a:ext>
+            </a:extLst>
+          </p:cNvPr>
+          <p:cNvSpPr>
+            <a:spLocks noGrp="1"/>
+          </p:cNvSpPr>
+          <p:nvPr>
+            <p:ph idx="1"/>
+          </p:nvPr>
+        </p:nvSpPr>
+        <p:spPr/>
+        <p:txBody>
+          <a:bodyPr/>
+          <a:lstStyle/>
+          <a:p>
+            <a:r>
+              <a:rPr lang="en-US" dirty="0"/>
+              <a:t>Based on Kolmogorov-Arnold Representation Theorem(KART)</a:t>
+            </a:r>
+          </a:p>
+          <a:p>
+            <a:endParaRPr lang="en-US" dirty="0"/>
+          </a:p>
+          <a:p>
+            <a:r>
+              <a:rPr lang="en-US" dirty="0"/>
+              <a:t>Why now?</a:t>
+            </a:r>
+          </a:p>
+          <a:p>
+            <a:endParaRPr lang="en-US" dirty="0"/>
+          </a:p>
+          <a:p>
+            <a:r>
+              <a:rPr lang="en-US" dirty="0"/>
+              <a:t>What about now? </a:t>
+            </a:r>
+          </a:p>
+          <a:p>
+            <a:pPr lvl="1"/>
+            <a:r>
+              <a:rPr lang="en-US" sz="1800" b="0" i="0" u="none" strike="noStrike" baseline="0" dirty="0" err="1">
+                <a:latin typeface="NimbusRomNo9L-Regu"/>
+              </a:rPr>
+              <a:t>GraphKAN</a:t>
+            </a:r>
+            <a:r>
+              <a:rPr lang="en-US" sz="1800" b="0" i="0" u="none" strike="noStrike" baseline="0" dirty="0">
+                <a:latin typeface="NimbusRomNo9L-Regu"/>
+              </a:rPr>
+              <a:t> &amp; Temporal-KAN(or TKAN)</a:t>
+            </a:r>
+            <a:endParaRPr lang="en-US" dirty="0"/>
+          </a:p>
+          <a:p>
+            <a:pPr marL="0" indent="0">
+              <a:buNone/>
+            </a:pPr>
+            <a:endParaRPr lang="en-US" dirty="0"/>
+          </a:p>
+          <a:p>
+            <a:endParaRPr lang="en-US" dirty="0"/>
+          </a:p>
+        </p:txBody>
+      </p:sp>
+    </p:spTree>
+    <p:extLst>
+      <p:ext uri="{BB962C8B-B14F-4D97-AF65-F5344CB8AC3E}">
+        <p14:creationId xmlns:p14="http://schemas.microsoft.com/office/powerpoint/2010/main" val="171502983"/>
+      </p:ext>
+    </p:extLst>
+  </p:cSld>
+  <p:clrMapOvr>
+    <a:masterClrMapping/>
+  </p:clrMapOvr>
+</p:sld>
+</file>
+
 <file path=ppt/slides/slide2.xml><?xml version="1.0" encoding="utf-8"?>
 <p:sld xmlns:a="http://schemas.openxmlformats.org/drawingml/2006/main" xmlns:r="http://schemas.openxmlformats.org/officeDocument/2006/relationships" xmlns:p="http://schemas.openxmlformats.org/presentationml/2006/main">
   <p:cSld>
@@ -4328,7 +5238,7 @@
               <a:rPr lang="en-US" dirty="0">
                 <a:latin typeface="Arial Black" panose="020B0A04020102020204" pitchFamily="34" charset="0"/>
               </a:rPr>
-              <a:t>Hobbies: trying new games(video games, card games, board games… );  Computer Graphics; reading books(novels, conference papers, blogs, my students’ love letters…) in a potato coach with 1L size coke.</a:t>
+              <a:t>Hobbies: trying new games(video games, card games, board games… );  Computer Graphics; reading books(novels, conference papers, blogs, my students’ love letters…) in a bean bag with 1L size coke.</a:t>
             </a:r>
           </a:p>
         </p:txBody>
@@ -4415,40 +5325,9 @@
           <a:bodyPr/>
           <a:lstStyle/>
           <a:p>
-            <a:r>
-              <a:rPr lang="en-US" dirty="0">
-                <a:latin typeface="Arial Black" panose="020B0A04020102020204" pitchFamily="34" charset="0"/>
-              </a:rPr>
-              <a:t>History and current trend in traffic forecasting and traffic state estimation</a:t>
-            </a:r>
-          </a:p>
-          <a:p>
-            <a:endParaRPr lang="en-US" dirty="0">
-              <a:latin typeface="Arial Black" panose="020B0A04020102020204" pitchFamily="34" charset="0"/>
-            </a:endParaRPr>
-          </a:p>
-          <a:p>
-            <a:r>
-              <a:rPr lang="en-US" dirty="0">
-                <a:latin typeface="Arial Black" panose="020B0A04020102020204" pitchFamily="34" charset="0"/>
-              </a:rPr>
-              <a:t>Challenges we are facing</a:t>
-            </a:r>
-          </a:p>
-          <a:p>
-            <a:endParaRPr lang="en-US" dirty="0">
-              <a:latin typeface="Arial Black" panose="020B0A04020102020204" pitchFamily="34" charset="0"/>
-            </a:endParaRPr>
-          </a:p>
-          <a:p>
-            <a:r>
-              <a:rPr lang="en-US" dirty="0">
-                <a:latin typeface="Arial Black" panose="020B0A04020102020204" pitchFamily="34" charset="0"/>
-              </a:rPr>
-              <a:t>Future research plan</a:t>
-            </a:r>
-          </a:p>
-          <a:p>
+            <a:pPr marL="0" indent="0">
+              <a:buNone/>
+            </a:pPr>
             <a:endParaRPr lang="en-US" dirty="0"/>
           </a:p>
         </p:txBody>
@@ -4488,7 +5367,7 @@
           <p:cNvPr id="2" name="Title 1">
             <a:extLst>
               <a:ext uri="{FF2B5EF4-FFF2-40B4-BE49-F238E27FC236}">
-                <a16:creationId xmlns:a16="http://schemas.microsoft.com/office/drawing/2014/main" id="{02220526-E07C-7235-051C-C43E91B218D5}"/>
+                <a16:creationId xmlns:a16="http://schemas.microsoft.com/office/drawing/2014/main" id="{A1B6993B-5829-FB67-7CA6-AC44F7CE6470}"/>
               </a:ext>
             </a:extLst>
           </p:cNvPr>
@@ -4508,7 +5387,7 @@
               <a:rPr lang="en-US" dirty="0">
                 <a:latin typeface="Algerian" panose="04020705040A02060702" pitchFamily="82" charset="0"/>
               </a:rPr>
-              <a:t>History &amp; Trend</a:t>
+              <a:t>Traffic Forecasting &amp; DL</a:t>
             </a:r>
           </a:p>
         </p:txBody>
@@ -4518,7 +5397,7 @@
           <p:cNvPr id="3" name="Content Placeholder 2">
             <a:extLst>
               <a:ext uri="{FF2B5EF4-FFF2-40B4-BE49-F238E27FC236}">
-                <a16:creationId xmlns:a16="http://schemas.microsoft.com/office/drawing/2014/main" id="{1682FDAE-4AEF-E80E-6A38-978835C7C9F5}"/>
+                <a16:creationId xmlns:a16="http://schemas.microsoft.com/office/drawing/2014/main" id="{FE485B67-C6FB-2931-F245-BA628FFA7ABF}"/>
               </a:ext>
             </a:extLst>
           </p:cNvPr>
@@ -4534,45 +5413,54 @@
           <a:bodyPr/>
           <a:lstStyle/>
           <a:p>
-            <a:r>
-              <a:rPr lang="en-US" dirty="0">
-                <a:latin typeface="Arial Black" panose="020B0A04020102020204" pitchFamily="34" charset="0"/>
-              </a:rPr>
-              <a:t>Statistical Methods/Model-based Methods</a:t>
-            </a:r>
-          </a:p>
-          <a:p>
-            <a:endParaRPr lang="en-US" dirty="0">
-              <a:latin typeface="Arial Black" panose="020B0A04020102020204" pitchFamily="34" charset="0"/>
-            </a:endParaRPr>
-          </a:p>
-          <a:p>
-            <a:r>
-              <a:rPr lang="en-US" dirty="0">
-                <a:latin typeface="Arial Black" panose="020B0A04020102020204" pitchFamily="34" charset="0"/>
-              </a:rPr>
-              <a:t>Data-driven Methods</a:t>
-            </a:r>
-          </a:p>
-          <a:p>
-            <a:endParaRPr lang="en-US" dirty="0">
-              <a:latin typeface="Arial Black" panose="020B0A04020102020204" pitchFamily="34" charset="0"/>
-            </a:endParaRPr>
-          </a:p>
-          <a:p>
-            <a:r>
-              <a:rPr lang="en-US" dirty="0">
-                <a:latin typeface="Arial Black" panose="020B0A04020102020204" pitchFamily="34" charset="0"/>
-              </a:rPr>
-              <a:t>Deep Learning Methods</a:t>
-            </a:r>
+            <a:endParaRPr lang="en-US" dirty="0"/>
+          </a:p>
+          <a:p>
+            <a:r>
+              <a:rPr lang="en-US" dirty="0"/>
+              <a:t>Graph Convolutional Networks(GNN&amp;GCNs)</a:t>
+            </a:r>
+          </a:p>
+          <a:p>
+            <a:pPr lvl="1"/>
+            <a:r>
+              <a:rPr lang="en-US" dirty="0"/>
+              <a:t>Spatial-based &amp; Spectral-based</a:t>
+            </a:r>
+          </a:p>
+          <a:p>
+            <a:pPr lvl="1"/>
+            <a:r>
+              <a:rPr lang="en-US" dirty="0"/>
+              <a:t>Spatial dependencies are defined in the form of adjacent matrices and feature matrices</a:t>
+            </a:r>
+          </a:p>
+          <a:p>
+            <a:pPr lvl="1"/>
+            <a:r>
+              <a:rPr lang="en-US" dirty="0"/>
+              <a:t>GCN transforms node features by aggregating information from neighboring nodes. </a:t>
+            </a:r>
+          </a:p>
+          <a:p>
+            <a:pPr lvl="1"/>
+            <a:r>
+              <a:rPr lang="en-US" dirty="0"/>
+              <a:t>Examples are STGCN(spatial-temporal graph convolutional network), </a:t>
+            </a:r>
+          </a:p>
+          <a:p>
+            <a:pPr marL="457200" lvl="1" indent="0">
+              <a:buNone/>
+            </a:pPr>
+            <a:endParaRPr lang="en-US" dirty="0"/>
           </a:p>
         </p:txBody>
       </p:sp>
     </p:spTree>
     <p:extLst>
       <p:ext uri="{BB962C8B-B14F-4D97-AF65-F5344CB8AC3E}">
-        <p14:creationId xmlns:p14="http://schemas.microsoft.com/office/powerpoint/2010/main" val="3519681316"/>
+        <p14:creationId xmlns:p14="http://schemas.microsoft.com/office/powerpoint/2010/main" val="1221628783"/>
       </p:ext>
     </p:extLst>
   </p:cSld>
@@ -4604,7 +5492,7 @@
           <p:cNvPr id="2" name="Title 1">
             <a:extLst>
               <a:ext uri="{FF2B5EF4-FFF2-40B4-BE49-F238E27FC236}">
-                <a16:creationId xmlns:a16="http://schemas.microsoft.com/office/drawing/2014/main" id="{D960FEBB-0135-6E02-84C8-35CDB6863DD6}"/>
+                <a16:creationId xmlns:a16="http://schemas.microsoft.com/office/drawing/2014/main" id="{0C522A03-042D-37F1-5E08-463F029EB182}"/>
               </a:ext>
             </a:extLst>
           </p:cNvPr>
@@ -4621,10 +5509,8 @@
           <a:lstStyle/>
           <a:p>
             <a:r>
-              <a:rPr lang="en-US" dirty="0">
-                <a:latin typeface="Algerian" panose="04020705040A02060702" pitchFamily="82" charset="0"/>
-              </a:rPr>
-              <a:t>Traffic Forecasting &amp; DL</a:t>
+              <a:rPr lang="en-US" dirty="0"/>
+              <a:t>Challenge of forecasting</a:t>
             </a:r>
           </a:p>
         </p:txBody>
@@ -4634,7 +5520,7 @@
           <p:cNvPr id="3" name="Content Placeholder 2">
             <a:extLst>
               <a:ext uri="{FF2B5EF4-FFF2-40B4-BE49-F238E27FC236}">
-                <a16:creationId xmlns:a16="http://schemas.microsoft.com/office/drawing/2014/main" id="{F1D2357A-1B5B-B70B-1EB9-B24560C97540}"/>
+                <a16:creationId xmlns:a16="http://schemas.microsoft.com/office/drawing/2014/main" id="{177F3932-ABAE-0807-78EF-E6E08365CD49}"/>
               </a:ext>
             </a:extLst>
           </p:cNvPr>
@@ -4645,60 +5531,39 @@
             <p:ph idx="1"/>
           </p:nvPr>
         </p:nvSpPr>
-        <p:spPr/>
-        <p:txBody>
-          <a:bodyPr/>
-          <a:lstStyle/>
-          <a:p>
-            <a:pPr marL="0" indent="0">
-              <a:buNone/>
-            </a:pPr>
-            <a:r>
-              <a:rPr lang="en-US" dirty="0">
-                <a:latin typeface="Arial Black" panose="020B0A04020102020204" pitchFamily="34" charset="0"/>
-              </a:rPr>
-              <a:t>Why GNNs?</a:t>
-            </a:r>
-          </a:p>
-          <a:p>
-            <a:pPr marL="0" indent="0">
-              <a:buNone/>
-            </a:pPr>
+        <p:spPr>
+          <a:xfrm>
+            <a:off x="838200" y="1808040"/>
+            <a:ext cx="10515600" cy="4351338"/>
+          </a:xfrm>
+        </p:spPr>
+        <p:txBody>
+          <a:bodyPr/>
+          <a:lstStyle/>
+          <a:p>
             <a:r>
               <a:rPr lang="en-US" dirty="0"/>
-              <a:t>Due to special characteristics of transportation networks, the spatial correlations are not necessarily distributed in Euclidean space</a:t>
-            </a:r>
-          </a:p>
-          <a:p>
-            <a:pPr marL="0" indent="0">
-              <a:buNone/>
-            </a:pPr>
-            <a:endParaRPr lang="en-US" dirty="0">
-              <a:latin typeface="Arial Black" panose="020B0A04020102020204" pitchFamily="34" charset="0"/>
-            </a:endParaRPr>
-          </a:p>
-          <a:p>
-            <a:pPr marL="0" indent="0">
-              <a:buNone/>
-            </a:pPr>
-            <a:endParaRPr lang="en-US" dirty="0">
-              <a:latin typeface="Arial Black" panose="020B0A04020102020204" pitchFamily="34" charset="0"/>
-            </a:endParaRPr>
-          </a:p>
-          <a:p>
-            <a:pPr marL="0" indent="0">
-              <a:buNone/>
-            </a:pPr>
-            <a:endParaRPr lang="en-US" dirty="0">
-              <a:latin typeface="Arial Black" panose="020B0A04020102020204" pitchFamily="34" charset="0"/>
-            </a:endParaRPr>
+              <a:t>Shorten into one slide</a:t>
+            </a:r>
+          </a:p>
+          <a:p>
+            <a:r>
+              <a:rPr lang="en-US" dirty="0"/>
+              <a:t>GNN</a:t>
+            </a:r>
+          </a:p>
+          <a:p>
+            <a:r>
+              <a:rPr lang="en-US" dirty="0"/>
+              <a:t> </a:t>
+            </a:r>
           </a:p>
         </p:txBody>
       </p:sp>
     </p:spTree>
     <p:extLst>
       <p:ext uri="{BB962C8B-B14F-4D97-AF65-F5344CB8AC3E}">
-        <p14:creationId xmlns:p14="http://schemas.microsoft.com/office/powerpoint/2010/main" val="2051892603"/>
+        <p14:creationId xmlns:p14="http://schemas.microsoft.com/office/powerpoint/2010/main" val="3366914677"/>
       </p:ext>
     </p:extLst>
   </p:cSld>
@@ -4776,7 +5641,54 @@
           <a:bodyPr/>
           <a:lstStyle/>
           <a:p>
+            <a:r>
+              <a:rPr lang="en-US" dirty="0"/>
+              <a:t>Model-based methods</a:t>
+            </a:r>
+          </a:p>
+          <a:p>
+            <a:pPr lvl="1"/>
+            <a:r>
+              <a:rPr lang="en-US" dirty="0" err="1"/>
+              <a:t>Lightwhil</a:t>
+            </a:r>
+            <a:r>
+              <a:rPr lang="en-US" dirty="0"/>
+              <a:t>-Whitham-Richards model (LWR), Aw-</a:t>
+            </a:r>
+            <a:r>
+              <a:rPr lang="en-US" dirty="0" err="1"/>
+              <a:t>Rascle</a:t>
+            </a:r>
+            <a:r>
+              <a:rPr lang="en-US" dirty="0"/>
+              <a:t>-Zhang model(ARZ).</a:t>
+            </a:r>
+          </a:p>
+          <a:p>
             <a:endParaRPr lang="en-US" dirty="0"/>
+          </a:p>
+          <a:p>
+            <a:r>
+              <a:rPr lang="en-US" dirty="0"/>
+              <a:t>Data-driven methods</a:t>
+            </a:r>
+          </a:p>
+          <a:p>
+            <a:pPr lvl="1"/>
+            <a:r>
+              <a:rPr lang="en-US" dirty="0"/>
+              <a:t>STGCN, DCRNN</a:t>
+            </a:r>
+          </a:p>
+          <a:p>
+            <a:endParaRPr lang="en-US" dirty="0"/>
+          </a:p>
+          <a:p>
+            <a:r>
+              <a:rPr lang="en-US" dirty="0"/>
+              <a:t>Hybrid methods</a:t>
+            </a:r>
           </a:p>
         </p:txBody>
       </p:sp>
@@ -4784,6 +5696,382 @@
     <p:extLst>
       <p:ext uri="{BB962C8B-B14F-4D97-AF65-F5344CB8AC3E}">
         <p14:creationId xmlns:p14="http://schemas.microsoft.com/office/powerpoint/2010/main" val="4244363221"/>
+      </p:ext>
+    </p:extLst>
+  </p:cSld>
+  <p:clrMapOvr>
+    <a:masterClrMapping/>
+  </p:clrMapOvr>
+</p:sld>
+</file>
+
+<file path=ppt/slides/slide7.xml><?xml version="1.0" encoding="utf-8"?>
+<p:sld xmlns:a="http://schemas.openxmlformats.org/drawingml/2006/main" xmlns:r="http://schemas.openxmlformats.org/officeDocument/2006/relationships" xmlns:p="http://schemas.openxmlformats.org/presentationml/2006/main">
+  <p:cSld>
+    <p:spTree>
+      <p:nvGrpSpPr>
+        <p:cNvPr id="1" name=""/>
+        <p:cNvGrpSpPr/>
+        <p:nvPr/>
+      </p:nvGrpSpPr>
+      <p:grpSpPr>
+        <a:xfrm>
+          <a:off x="0" y="0"/>
+          <a:ext cx="0" cy="0"/>
+          <a:chOff x="0" y="0"/>
+          <a:chExt cx="0" cy="0"/>
+        </a:xfrm>
+      </p:grpSpPr>
+      <p:sp>
+        <p:nvSpPr>
+          <p:cNvPr id="2" name="Title 1">
+            <a:extLst>
+              <a:ext uri="{FF2B5EF4-FFF2-40B4-BE49-F238E27FC236}">
+                <a16:creationId xmlns:a16="http://schemas.microsoft.com/office/drawing/2014/main" id="{E26BB314-4EB4-6642-5D55-A8FD08885DD1}"/>
+              </a:ext>
+            </a:extLst>
+          </p:cNvPr>
+          <p:cNvSpPr>
+            <a:spLocks noGrp="1"/>
+          </p:cNvSpPr>
+          <p:nvPr>
+            <p:ph type="title"/>
+          </p:nvPr>
+        </p:nvSpPr>
+        <p:spPr/>
+        <p:txBody>
+          <a:bodyPr/>
+          <a:lstStyle/>
+          <a:p>
+            <a:r>
+              <a:rPr lang="en-US" dirty="0">
+                <a:latin typeface="Algerian" panose="04020705040A02060702" pitchFamily="82" charset="0"/>
+              </a:rPr>
+              <a:t>Traffic state estimation &amp; DL</a:t>
+            </a:r>
+          </a:p>
+        </p:txBody>
+      </p:sp>
+      <p:sp>
+        <p:nvSpPr>
+          <p:cNvPr id="3" name="Content Placeholder 2">
+            <a:extLst>
+              <a:ext uri="{FF2B5EF4-FFF2-40B4-BE49-F238E27FC236}">
+                <a16:creationId xmlns:a16="http://schemas.microsoft.com/office/drawing/2014/main" id="{3DD2864E-7945-FF34-134E-6EADB12C8350}"/>
+              </a:ext>
+            </a:extLst>
+          </p:cNvPr>
+          <p:cNvSpPr>
+            <a:spLocks noGrp="1"/>
+          </p:cNvSpPr>
+          <p:nvPr>
+            <p:ph idx="1"/>
+          </p:nvPr>
+        </p:nvSpPr>
+        <p:spPr>
+          <a:xfrm>
+            <a:off x="838200" y="1817742"/>
+            <a:ext cx="10515600" cy="4351338"/>
+          </a:xfrm>
+        </p:spPr>
+        <p:txBody>
+          <a:bodyPr>
+            <a:normAutofit lnSpcReduction="10000"/>
+          </a:bodyPr>
+          <a:lstStyle/>
+          <a:p>
+            <a:r>
+              <a:rPr lang="en-US" dirty="0"/>
+              <a:t>Physical-informed deep learning(PIDL)</a:t>
+            </a:r>
+          </a:p>
+          <a:p>
+            <a:pPr lvl="1"/>
+            <a:r>
+              <a:rPr lang="en-US" dirty="0"/>
+              <a:t>Data efficiency</a:t>
+            </a:r>
+          </a:p>
+          <a:p>
+            <a:pPr lvl="1"/>
+            <a:r>
+              <a:rPr lang="en-US" dirty="0"/>
+              <a:t>Generalization</a:t>
+            </a:r>
+          </a:p>
+          <a:p>
+            <a:pPr lvl="1"/>
+            <a:r>
+              <a:rPr lang="en-US" dirty="0"/>
+              <a:t>Interpretability</a:t>
+            </a:r>
+          </a:p>
+          <a:p>
+            <a:pPr lvl="1"/>
+            <a:endParaRPr lang="en-US" dirty="0"/>
+          </a:p>
+          <a:p>
+            <a:pPr lvl="1"/>
+            <a:r>
+              <a:rPr lang="en-US" dirty="0"/>
+              <a:t>Complexity</a:t>
+            </a:r>
+          </a:p>
+          <a:p>
+            <a:pPr lvl="1"/>
+            <a:r>
+              <a:rPr lang="en-US" dirty="0"/>
+              <a:t>Computational Cost</a:t>
+            </a:r>
+          </a:p>
+          <a:p>
+            <a:pPr lvl="1"/>
+            <a:r>
+              <a:rPr lang="en-US" dirty="0"/>
+              <a:t>Modeling Accuracy</a:t>
+            </a:r>
+          </a:p>
+          <a:p>
+            <a:pPr lvl="1"/>
+            <a:endParaRPr lang="en-US" dirty="0"/>
+          </a:p>
+          <a:p>
+            <a:pPr lvl="1"/>
+            <a:r>
+              <a:rPr lang="en-US" dirty="0"/>
+              <a:t>Examples: Physical-informed deep learning with fundamental diagram(PIDL-FDL), Spatial-temporal differential equation network(STDEN)</a:t>
+            </a:r>
+          </a:p>
+          <a:p>
+            <a:pPr lvl="1"/>
+            <a:endParaRPr lang="en-US" dirty="0"/>
+          </a:p>
+          <a:p>
+            <a:pPr lvl="1"/>
+            <a:endParaRPr lang="en-US" dirty="0"/>
+          </a:p>
+        </p:txBody>
+      </p:sp>
+    </p:spTree>
+    <p:extLst>
+      <p:ext uri="{BB962C8B-B14F-4D97-AF65-F5344CB8AC3E}">
+        <p14:creationId xmlns:p14="http://schemas.microsoft.com/office/powerpoint/2010/main" val="766901201"/>
+      </p:ext>
+    </p:extLst>
+  </p:cSld>
+  <p:clrMapOvr>
+    <a:masterClrMapping/>
+  </p:clrMapOvr>
+</p:sld>
+</file>
+
+<file path=ppt/slides/slide8.xml><?xml version="1.0" encoding="utf-8"?>
+<p:sld xmlns:a="http://schemas.openxmlformats.org/drawingml/2006/main" xmlns:r="http://schemas.openxmlformats.org/officeDocument/2006/relationships" xmlns:p="http://schemas.openxmlformats.org/presentationml/2006/main">
+  <p:cSld>
+    <p:spTree>
+      <p:nvGrpSpPr>
+        <p:cNvPr id="1" name=""/>
+        <p:cNvGrpSpPr/>
+        <p:nvPr/>
+      </p:nvGrpSpPr>
+      <p:grpSpPr>
+        <a:xfrm>
+          <a:off x="0" y="0"/>
+          <a:ext cx="0" cy="0"/>
+          <a:chOff x="0" y="0"/>
+          <a:chExt cx="0" cy="0"/>
+        </a:xfrm>
+      </p:grpSpPr>
+      <p:sp>
+        <p:nvSpPr>
+          <p:cNvPr id="2" name="Title 1">
+            <a:extLst>
+              <a:ext uri="{FF2B5EF4-FFF2-40B4-BE49-F238E27FC236}">
+                <a16:creationId xmlns:a16="http://schemas.microsoft.com/office/drawing/2014/main" id="{1CED434C-7856-6EE9-FFF4-0B3B4116625D}"/>
+              </a:ext>
+            </a:extLst>
+          </p:cNvPr>
+          <p:cNvSpPr>
+            <a:spLocks noGrp="1"/>
+          </p:cNvSpPr>
+          <p:nvPr>
+            <p:ph type="title"/>
+          </p:nvPr>
+        </p:nvSpPr>
+        <p:spPr/>
+        <p:txBody>
+          <a:bodyPr/>
+          <a:lstStyle/>
+          <a:p>
+            <a:endParaRPr lang="en-US"/>
+          </a:p>
+        </p:txBody>
+      </p:sp>
+      <p:sp>
+        <p:nvSpPr>
+          <p:cNvPr id="3" name="Content Placeholder 2">
+            <a:extLst>
+              <a:ext uri="{FF2B5EF4-FFF2-40B4-BE49-F238E27FC236}">
+                <a16:creationId xmlns:a16="http://schemas.microsoft.com/office/drawing/2014/main" id="{72101447-143D-93BB-303A-08E3C46686B6}"/>
+              </a:ext>
+            </a:extLst>
+          </p:cNvPr>
+          <p:cNvSpPr>
+            <a:spLocks noGrp="1"/>
+          </p:cNvSpPr>
+          <p:nvPr>
+            <p:ph idx="1"/>
+          </p:nvPr>
+        </p:nvSpPr>
+        <p:spPr/>
+        <p:txBody>
+          <a:bodyPr/>
+          <a:lstStyle/>
+          <a:p>
+            <a:r>
+              <a:rPr lang="en-US" dirty="0"/>
+              <a:t>Detail structure of the methods in TSE</a:t>
+            </a:r>
+          </a:p>
+        </p:txBody>
+      </p:sp>
+    </p:spTree>
+    <p:extLst>
+      <p:ext uri="{BB962C8B-B14F-4D97-AF65-F5344CB8AC3E}">
+        <p14:creationId xmlns:p14="http://schemas.microsoft.com/office/powerpoint/2010/main" val="13205342"/>
+      </p:ext>
+    </p:extLst>
+  </p:cSld>
+  <p:clrMapOvr>
+    <a:masterClrMapping/>
+  </p:clrMapOvr>
+</p:sld>
+</file>
+
+<file path=ppt/slides/slide9.xml><?xml version="1.0" encoding="utf-8"?>
+<p:sld xmlns:a="http://schemas.openxmlformats.org/drawingml/2006/main" xmlns:r="http://schemas.openxmlformats.org/officeDocument/2006/relationships" xmlns:p="http://schemas.openxmlformats.org/presentationml/2006/main">
+  <p:cSld>
+    <p:spTree>
+      <p:nvGrpSpPr>
+        <p:cNvPr id="1" name=""/>
+        <p:cNvGrpSpPr/>
+        <p:nvPr/>
+      </p:nvGrpSpPr>
+      <p:grpSpPr>
+        <a:xfrm>
+          <a:off x="0" y="0"/>
+          <a:ext cx="0" cy="0"/>
+          <a:chOff x="0" y="0"/>
+          <a:chExt cx="0" cy="0"/>
+        </a:xfrm>
+      </p:grpSpPr>
+      <p:sp>
+        <p:nvSpPr>
+          <p:cNvPr id="2" name="Title 1">
+            <a:extLst>
+              <a:ext uri="{FF2B5EF4-FFF2-40B4-BE49-F238E27FC236}">
+                <a16:creationId xmlns:a16="http://schemas.microsoft.com/office/drawing/2014/main" id="{7B97303F-F101-EA9C-2B92-AF29320035A6}"/>
+              </a:ext>
+            </a:extLst>
+          </p:cNvPr>
+          <p:cNvSpPr>
+            <a:spLocks noGrp="1"/>
+          </p:cNvSpPr>
+          <p:nvPr>
+            <p:ph type="title"/>
+          </p:nvPr>
+        </p:nvSpPr>
+        <p:spPr/>
+        <p:txBody>
+          <a:bodyPr/>
+          <a:lstStyle/>
+          <a:p>
+            <a:r>
+              <a:rPr lang="en-US" dirty="0">
+                <a:latin typeface="Algerian" panose="04020705040A02060702" pitchFamily="82" charset="0"/>
+              </a:rPr>
+              <a:t>Future Direction</a:t>
+            </a:r>
+          </a:p>
+        </p:txBody>
+      </p:sp>
+      <p:sp>
+        <p:nvSpPr>
+          <p:cNvPr id="3" name="Content Placeholder 2">
+            <a:extLst>
+              <a:ext uri="{FF2B5EF4-FFF2-40B4-BE49-F238E27FC236}">
+                <a16:creationId xmlns:a16="http://schemas.microsoft.com/office/drawing/2014/main" id="{3770509C-9114-9CDB-D055-22F963042183}"/>
+              </a:ext>
+            </a:extLst>
+          </p:cNvPr>
+          <p:cNvSpPr>
+            <a:spLocks noGrp="1"/>
+          </p:cNvSpPr>
+          <p:nvPr>
+            <p:ph idx="1"/>
+          </p:nvPr>
+        </p:nvSpPr>
+        <p:spPr/>
+        <p:txBody>
+          <a:bodyPr/>
+          <a:lstStyle/>
+          <a:p>
+            <a:r>
+              <a:rPr lang="en-US" dirty="0">
+                <a:latin typeface="Algerian" panose="04020705040A02060702" pitchFamily="82" charset="0"/>
+              </a:rPr>
+              <a:t>Interpretability</a:t>
+            </a:r>
+          </a:p>
+          <a:p>
+            <a:pPr lvl="1"/>
+            <a:r>
+              <a:rPr lang="en-US" dirty="0">
+                <a:latin typeface="Algerian" panose="04020705040A02060702" pitchFamily="82" charset="0"/>
+              </a:rPr>
+              <a:t>Why important</a:t>
+            </a:r>
+          </a:p>
+          <a:p>
+            <a:pPr lvl="1"/>
+            <a:r>
+              <a:rPr lang="en-US" dirty="0">
+                <a:latin typeface="Algerian" panose="04020705040A02060702" pitchFamily="82" charset="0"/>
+              </a:rPr>
+              <a:t>How it is solved currently</a:t>
+            </a:r>
+          </a:p>
+          <a:p>
+            <a:pPr lvl="1"/>
+            <a:r>
+              <a:rPr lang="en-US" dirty="0">
+                <a:latin typeface="Algerian" panose="04020705040A02060702" pitchFamily="82" charset="0"/>
+              </a:rPr>
+              <a:t>In the  context. From people</a:t>
+            </a:r>
+          </a:p>
+          <a:p>
+            <a:endParaRPr lang="en-US" dirty="0">
+              <a:latin typeface="Algerian" panose="04020705040A02060702" pitchFamily="82" charset="0"/>
+            </a:endParaRPr>
+          </a:p>
+          <a:p>
+            <a:pPr marL="0" indent="0">
+              <a:buNone/>
+            </a:pPr>
+            <a:endParaRPr lang="en-US" dirty="0">
+              <a:latin typeface="Algerian" panose="04020705040A02060702" pitchFamily="82" charset="0"/>
+            </a:endParaRPr>
+          </a:p>
+          <a:p>
+            <a:endParaRPr lang="en-US" dirty="0"/>
+          </a:p>
+        </p:txBody>
+      </p:sp>
+    </p:spTree>
+    <p:extLst>
+      <p:ext uri="{BB962C8B-B14F-4D97-AF65-F5344CB8AC3E}">
+        <p14:creationId xmlns:p14="http://schemas.microsoft.com/office/powerpoint/2010/main" val="543428618"/>
       </p:ext>
     </p:extLst>
   </p:cSld>

--- a/Rinko_Drafts/A Brief Survey on Deep Learning in.pptx
+++ b/Rinko_Drafts/A Brief Survey on Deep Learning in.pptx
@@ -5,20 +5,19 @@
     <p:sldMasterId id="2147483648" r:id="rId1"/>
   </p:sldMasterIdLst>
   <p:notesMasterIdLst>
-    <p:notesMasterId r:id="rId13"/>
+    <p:notesMasterId r:id="rId12"/>
   </p:notesMasterIdLst>
   <p:sldIdLst>
     <p:sldId id="256" r:id="rId2"/>
     <p:sldId id="257" r:id="rId3"/>
-    <p:sldId id="260" r:id="rId4"/>
-    <p:sldId id="264" r:id="rId5"/>
-    <p:sldId id="270" r:id="rId6"/>
-    <p:sldId id="263" r:id="rId7"/>
-    <p:sldId id="266" r:id="rId8"/>
-    <p:sldId id="271" r:id="rId9"/>
-    <p:sldId id="269" r:id="rId10"/>
-    <p:sldId id="267" r:id="rId11"/>
-    <p:sldId id="268" r:id="rId12"/>
+    <p:sldId id="272" r:id="rId4"/>
+    <p:sldId id="275" r:id="rId5"/>
+    <p:sldId id="263" r:id="rId6"/>
+    <p:sldId id="266" r:id="rId7"/>
+    <p:sldId id="274" r:id="rId8"/>
+    <p:sldId id="269" r:id="rId9"/>
+    <p:sldId id="267" r:id="rId10"/>
+    <p:sldId id="268" r:id="rId11"/>
   </p:sldIdLst>
   <p:sldSz cx="12192000" cy="6858000"/>
   <p:notesSz cx="6858000" cy="9144000"/>
@@ -124,12 +123,11 @@
           <p14:sldIdLst>
             <p14:sldId id="256"/>
             <p14:sldId id="257"/>
-            <p14:sldId id="260"/>
-            <p14:sldId id="264"/>
-            <p14:sldId id="270"/>
+            <p14:sldId id="272"/>
+            <p14:sldId id="275"/>
             <p14:sldId id="263"/>
             <p14:sldId id="266"/>
-            <p14:sldId id="271"/>
+            <p14:sldId id="274"/>
             <p14:sldId id="269"/>
             <p14:sldId id="267"/>
             <p14:sldId id="268"/>
@@ -229,7 +227,7 @@
           <a:p>
             <a:fld id="{B03AFC32-C79F-469F-92E3-2C3388775806}" type="datetimeFigureOut">
               <a:rPr lang="en-US" smtClean="0"/>
-              <a:t>7/10/2024</a:t>
+              <a:t>7/11/2024</a:t>
             </a:fld>
             <a:endParaRPr lang="en-US"/>
           </a:p>
@@ -873,26 +871,191 @@
           <a:bodyPr/>
           <a:lstStyle/>
           <a:p>
-            <a:pPr marL="228600" indent="-228600">
+            <a:pPr algn="l"/>
+            <a:r>
+              <a:rPr lang="en-US" b="0" i="0" dirty="0">
+                <a:solidFill>
+                  <a:srgbClr val="B8BFC6"/>
+                </a:solidFill>
+                <a:effectLst/>
+                <a:latin typeface="Helvetica Neue"/>
+              </a:rPr>
+              <a:t>So, I am going to introduce a key area of my research, traffic forecasting. As the name suggests, traffic forecasting involves using past data to predict future traffic states. More specifically, we use historical traffic parameters such as speed, traffic flow, density to predict the their future value in the road traffic networks. </a:t>
+            </a:r>
+          </a:p>
+          <a:p>
+            <a:pPr algn="l"/>
+            <a:r>
+              <a:rPr lang="en-US" b="0" i="0" dirty="0">
+                <a:solidFill>
+                  <a:srgbClr val="B8BFC6"/>
+                </a:solidFill>
+                <a:effectLst/>
+                <a:latin typeface="Helvetica Neue"/>
+              </a:rPr>
+              <a:t>As a long-standing topic in transportation science, the history of this field is a long one. It can be divided into four phases:</a:t>
+            </a:r>
+          </a:p>
+          <a:p>
+            <a:pPr algn="l">
+              <a:buFont typeface="+mj-lt"/>
               <a:buAutoNum type="arabicPeriod"/>
             </a:pPr>
             <a:r>
-              <a:rPr lang="en-US" dirty="0"/>
-              <a:t>STGCN, which has two spatial-temporal convolutional blocks, followed by a fully connected layer. ST-</a:t>
-            </a:r>
-            <a:r>
-              <a:rPr lang="en-US" dirty="0" err="1"/>
-              <a:t>Cov</a:t>
-            </a:r>
-            <a:r>
-              <a:rPr lang="en-US" dirty="0"/>
-              <a:t> includes two temporal gated convolution layers(for considering temporal correlations). And two temporal gated convolution surround one spatial graph convolutional layers(spatial dependencies)</a:t>
-            </a:r>
-          </a:p>
-          <a:p>
-            <a:pPr marL="228600" indent="-228600">
+              <a:rPr lang="en-US" b="0" i="0" dirty="0">
+                <a:solidFill>
+                  <a:srgbClr val="B8BFC6"/>
+                </a:solidFill>
+                <a:effectLst/>
+                <a:latin typeface="Helvetica Neue"/>
+              </a:rPr>
+              <a:t>Once a while, we relied on linear models like savages, lacking the basic respect towards complexity of traffic</a:t>
+            </a:r>
+          </a:p>
+          <a:p>
+            <a:pPr algn="l">
+              <a:buFont typeface="+mj-lt"/>
               <a:buAutoNum type="arabicPeriod"/>
             </a:pPr>
+            <a:r>
+              <a:rPr lang="en-US" b="0" i="0" dirty="0">
+                <a:solidFill>
+                  <a:srgbClr val="B8BFC6"/>
+                </a:solidFill>
+                <a:effectLst/>
+                <a:latin typeface="Helvetica Neue"/>
+              </a:rPr>
+              <a:t>Then, we harnessed the power of stats in this field and got a decent tool for short-term predictions, since tools like ARIMA cannot handle potential of changes in long-term forecasting.</a:t>
+            </a:r>
+          </a:p>
+          <a:p>
+            <a:pPr algn="l">
+              <a:buFont typeface="+mj-lt"/>
+              <a:buAutoNum type="arabicPeriod"/>
+            </a:pPr>
+            <a:r>
+              <a:rPr lang="en-US" b="0" i="0" dirty="0">
+                <a:solidFill>
+                  <a:srgbClr val="B8BFC6"/>
+                </a:solidFill>
+                <a:effectLst/>
+                <a:latin typeface="Helvetica Neue"/>
+              </a:rPr>
+              <a:t>in 2000s, unprecedented abundance of data shed a light into the dark age. And we heard the god's whisper, "Machine learning". This changed the game. </a:t>
+            </a:r>
+          </a:p>
+          <a:p>
+            <a:pPr algn="l">
+              <a:buFont typeface="+mj-lt"/>
+              <a:buAutoNum type="arabicPeriod"/>
+            </a:pPr>
+            <a:r>
+              <a:rPr lang="en-US" b="0" i="0" dirty="0">
+                <a:solidFill>
+                  <a:srgbClr val="B8BFC6"/>
+                </a:solidFill>
+                <a:effectLst/>
+                <a:latin typeface="Helvetica Neue"/>
+              </a:rPr>
+              <a:t>And to nowadays, deep learning is prevailing in my field. And now, we have some famous methods triumph in all kind of time interval with good accuracy. It's safe to say ML and DL revolutionized the field. These advanced methods allowed us to uncover the underlying behavior of traffic networks, therefore enabling accurate predictions in large timesteps. </a:t>
+            </a:r>
+          </a:p>
+          <a:p>
+            <a:pPr algn="l"/>
+            <a:r>
+              <a:rPr lang="en-US" b="0" i="0" dirty="0">
+                <a:solidFill>
+                  <a:srgbClr val="B8BFC6"/>
+                </a:solidFill>
+                <a:effectLst/>
+                <a:latin typeface="Helvetica Neue"/>
+              </a:rPr>
+              <a:t>As researchers delved deeper into the implementations of deep learning in forecasting, they found traditional architectures to be insufficient. For instance, recent studies utilized convolution operators to account for spatial dependencies among data points, or say the sensors. Yet, in transportation science, spatial correlations don't necessarily align with Euclidean space. For example, consider two sensors: one on a bridge and one beneath it. Though close in distance, they serve different nodes in the traffic network and thus have weak interrelations between.</a:t>
+            </a:r>
+          </a:p>
+          <a:p>
+            <a:pPr algn="l"/>
+            <a:r>
+              <a:rPr lang="en-US" b="0" i="0" dirty="0">
+                <a:solidFill>
+                  <a:srgbClr val="B8BFC6"/>
+                </a:solidFill>
+                <a:effectLst/>
+                <a:latin typeface="Helvetica Neue"/>
+              </a:rPr>
+              <a:t>So, this is the start for GNN to rule the realm of traffic forecasting. </a:t>
+            </a:r>
+          </a:p>
+          <a:p>
+            <a:pPr algn="l"/>
+            <a:r>
+              <a:rPr lang="en-US" b="0" i="0" dirty="0">
+                <a:solidFill>
+                  <a:srgbClr val="B8BFC6"/>
+                </a:solidFill>
+                <a:effectLst/>
+                <a:latin typeface="Helvetica Neue"/>
+              </a:rPr>
+              <a:t>By incorporating graph structures into deep learning frameworks, GNNs allow the model to focus on nodes and their neighbors which is defined by domain knowledge. In 2015, </a:t>
+            </a:r>
+            <a:r>
+              <a:rPr lang="en-US" b="0" i="0" dirty="0" err="1">
+                <a:solidFill>
+                  <a:srgbClr val="B8BFC6"/>
+                </a:solidFill>
+                <a:effectLst/>
+                <a:latin typeface="Helvetica Neue"/>
+              </a:rPr>
+              <a:t>Shahsavari</a:t>
+            </a:r>
+            <a:r>
+              <a:rPr lang="en-US" b="0" i="0" dirty="0">
+                <a:solidFill>
+                  <a:srgbClr val="B8BFC6"/>
+                </a:solidFill>
+                <a:effectLst/>
+                <a:latin typeface="Helvetica Neue"/>
+              </a:rPr>
+              <a:t> and his colleagues introduced a graph-based short-term traffic forecasting model. Here, nodes represent traffic flow, density and speed, while edges capture the spatial interrelations dictated by the topological features of road networks. This GNN model was trained in a supervised learning and set a standard for future GNN applications in traffic forecasting. </a:t>
+            </a:r>
+          </a:p>
+          <a:p>
+            <a:pPr algn="l"/>
+            <a:r>
+              <a:rPr lang="en-US" b="0" i="0" dirty="0">
+                <a:solidFill>
+                  <a:srgbClr val="B8BFC6"/>
+                </a:solidFill>
+                <a:effectLst/>
+                <a:latin typeface="Helvetica Neue"/>
+              </a:rPr>
+              <a:t>Based on which, Yu et al. introduced a spatial-temporal graph convolutional network(STGCN) in 2017. Not </a:t>
+            </a:r>
+            <a:r>
+              <a:rPr lang="en-US" b="0" i="0" dirty="0" err="1">
+                <a:solidFill>
+                  <a:srgbClr val="B8BFC6"/>
+                </a:solidFill>
+                <a:effectLst/>
+                <a:latin typeface="Helvetica Neue"/>
+              </a:rPr>
+              <a:t>gonna</a:t>
+            </a:r>
+            <a:r>
+              <a:rPr lang="en-US" b="0" i="0" dirty="0">
+                <a:solidFill>
+                  <a:srgbClr val="B8BFC6"/>
+                </a:solidFill>
+                <a:effectLst/>
+                <a:latin typeface="Helvetica Neue"/>
+              </a:rPr>
+              <a:t> lie, this is my favorite. </a:t>
+            </a:r>
+          </a:p>
+          <a:p>
+            <a:br>
+              <a:rPr lang="en-US"/>
+            </a:br>
             <a:endParaRPr lang="en-US" dirty="0"/>
           </a:p>
         </p:txBody>
@@ -914,7 +1077,7 @@
           <a:p>
             <a:fld id="{A81C4A58-5C1F-443D-B915-E10A8F80DD8C}" type="slidenum">
               <a:rPr lang="en-US" smtClean="0"/>
-              <a:t>4</a:t>
+              <a:t>3</a:t>
             </a:fld>
             <a:endParaRPr lang="en-US"/>
           </a:p>
@@ -923,7 +1086,7 @@
     </p:spTree>
     <p:extLst>
       <p:ext uri="{BB962C8B-B14F-4D97-AF65-F5344CB8AC3E}">
-        <p14:creationId xmlns:p14="http://schemas.microsoft.com/office/powerpoint/2010/main" val="4132894709"/>
+        <p14:creationId xmlns:p14="http://schemas.microsoft.com/office/powerpoint/2010/main" val="3851669800"/>
       </p:ext>
     </p:extLst>
   </p:cSld>
@@ -977,74 +1140,52 @@
           <a:bodyPr/>
           <a:lstStyle/>
           <a:p>
-            <a:pPr marL="228600" indent="-228600">
-              <a:buAutoNum type="arabicPeriod"/>
-            </a:pPr>
             <a:r>
               <a:rPr lang="en-US" dirty="0"/>
-              <a:t>Data efficiency: By incorporating physical laws, PINNs can achieve good performance with less data compared to purely data-driven models.</a:t>
-            </a:r>
-          </a:p>
-          <a:p>
-            <a:pPr marL="228600" indent="-228600">
-              <a:buAutoNum type="arabicPeriod"/>
-            </a:pPr>
+              <a:t>Well, here we go. My second research direction. Someone may say Alex, you are too greedy. You are having two research field as a master student? </a:t>
+            </a:r>
+          </a:p>
+          <a:p>
+            <a:endParaRPr lang="en-US" dirty="0"/>
+          </a:p>
+          <a:p>
             <a:r>
               <a:rPr lang="en-US" dirty="0"/>
-              <a:t>Generalization : Models are more likely to generalize well to new scenarios since they are constrained by known physics.</a:t>
-            </a:r>
-          </a:p>
-          <a:p>
-            <a:pPr marL="228600" indent="-228600">
-              <a:buAutoNum type="arabicPeriod"/>
-            </a:pPr>
-            <a:r>
-              <a:rPr lang="en-US" b="1" dirty="0"/>
-              <a:t>Interpretability</a:t>
-            </a:r>
+              <a:t>Okay, let me make this up. </a:t>
+            </a:r>
+          </a:p>
+          <a:p>
             <a:r>
               <a:rPr lang="en-US" dirty="0"/>
-              <a:t>: The inclusion of physical laws provides a clear rationale for the model's predictions, enhancing interpretability.</a:t>
-            </a:r>
-          </a:p>
-          <a:p>
-            <a:pPr marL="228600" indent="-228600">
-              <a:buAutoNum type="arabicPeriod"/>
-            </a:pPr>
+              <a:t>Forecasting and state estimation are very similar. Even sometime, scientists well just transform one of the real-time forecasting method into estimation method such as STGCN I just talked about. And sometimes, we don’t even differ them on purpose. But there is a subtle difference in their goals. For forecasting, like I mentioned, we forecast the parameters’ future state based on data we have. But for TSE, we only focus on reconstruction of the diagram(or say, the network) by finding missing elements in it. This gives TSE a unique position in transportation science. </a:t>
+            </a:r>
+          </a:p>
+          <a:p>
             <a:endParaRPr lang="en-US" dirty="0"/>
           </a:p>
           <a:p>
-            <a:pPr marL="228600" indent="-228600">
-              <a:buAutoNum type="arabicPeriod"/>
-            </a:pPr>
             <a:r>
               <a:rPr lang="en-US" dirty="0"/>
-              <a:t>Designing appropriate loss functions and neural network architectures can be complex.</a:t>
-            </a:r>
-          </a:p>
-          <a:p>
-            <a:pPr marL="228600" indent="-228600">
-              <a:buAutoNum type="arabicPeriod"/>
-            </a:pPr>
+              <a:t>So, a little bit different from TF, the studies in TSE are not all purely data-driven. We have model-based methods at the very beginning. Just recall the name, ”Traffic FLOW”. Sounds really liquified isn’t it? Scientists in Traffic analysis studied traffic flow in hydrodynamic models. You would say, wow, fluid dynamics, the rocket science! But it turns out not so cool. Model-based methods is strong at giving a close-form like solutions, when it has one. Yet, in practice, the models are either too simple to formulate the real situations, or too complicated to solve and the more sophisticated it got, the longer time you are going to put into parameter calibration. So, purely model-based methods now, are basically used by professors to earn some coins for ice-cream in the university. </a:t>
+            </a:r>
+          </a:p>
+          <a:p>
+            <a:endParaRPr lang="en-US" dirty="0"/>
+          </a:p>
+          <a:p>
             <a:r>
               <a:rPr lang="en-US" dirty="0"/>
-              <a:t>Training PINNs can be computationally intensive, particularly for high-dimensional problems.</a:t>
-            </a:r>
-          </a:p>
-          <a:p>
-            <a:pPr marL="228600" indent="-228600">
-              <a:buAutoNum type="arabicPeriod"/>
-            </a:pPr>
-            <a:r>
+              <a:t>And just like TF, TSE also prospered for quite a while after the breakthrough in data-driven methods. However, scientists realized purely data-driven methods require numerous high-quality data which is impossible to retrieve during the real-life reconstruction. And the purely data-driven methods sometimes give unreasonable results, such as a negative flow on the road which means every single car in this lane is moving backwards.</a:t>
+            </a:r>
+          </a:p>
+          <a:p>
+            <a:br>
               <a:rPr lang="en-US" dirty="0"/>
-              <a:t>Ensuring the accuracy of physics-informed models in scenarios with noisy or incomplete data.</a:t>
-            </a:r>
-          </a:p>
-          <a:p>
-            <a:pPr marL="228600" indent="-228600">
-              <a:buAutoNum type="arabicPeriod"/>
-            </a:pPr>
-            <a:endParaRPr lang="en-US" dirty="0"/>
+            </a:br>
+            <a:r>
+              <a:rPr lang="en-US" dirty="0"/>
+              <a:t> </a:t>
+            </a:r>
           </a:p>
         </p:txBody>
       </p:sp>
@@ -1065,7 +1206,7 @@
           <a:p>
             <a:fld id="{A81C4A58-5C1F-443D-B915-E10A8F80DD8C}" type="slidenum">
               <a:rPr lang="en-US" smtClean="0"/>
-              <a:t>7</a:t>
+              <a:t>5</a:t>
             </a:fld>
             <a:endParaRPr lang="en-US"/>
           </a:p>
@@ -1074,7 +1215,7 @@
     </p:spTree>
     <p:extLst>
       <p:ext uri="{BB962C8B-B14F-4D97-AF65-F5344CB8AC3E}">
-        <p14:creationId xmlns:p14="http://schemas.microsoft.com/office/powerpoint/2010/main" val="2520953991"/>
+        <p14:creationId xmlns:p14="http://schemas.microsoft.com/office/powerpoint/2010/main" val="938860325"/>
       </p:ext>
     </p:extLst>
   </p:cSld>
@@ -1128,7 +1269,83 @@
           <a:bodyPr/>
           <a:lstStyle/>
           <a:p>
+            <a:pPr marL="228600" indent="-228600">
+              <a:buAutoNum type="arabicPeriod"/>
+            </a:pPr>
+            <a:r>
+              <a:rPr lang="en-US" dirty="0"/>
+              <a:t>Data efficiency: By incorporating physical laws, PINNs can achieve good performance with less data compared to purely data-driven models. </a:t>
+            </a:r>
+          </a:p>
+          <a:p>
+            <a:pPr marL="228600" indent="-228600">
+              <a:buAutoNum type="arabicPeriod"/>
+            </a:pPr>
+            <a:r>
+              <a:rPr lang="en-US" dirty="0"/>
+              <a:t>Generalization : Models are more likely to generalize well to new scenarios since they are constrained by known physics.</a:t>
+            </a:r>
+          </a:p>
+          <a:p>
+            <a:pPr marL="228600" indent="-228600">
+              <a:buAutoNum type="arabicPeriod"/>
+            </a:pPr>
+            <a:r>
+              <a:rPr lang="en-US" b="1" dirty="0"/>
+              <a:t>Interpretability</a:t>
+            </a:r>
+            <a:r>
+              <a:rPr lang="en-US" dirty="0"/>
+              <a:t>: The inclusion of physical laws provides a clear rationale for the model's predictions, enhancing interpretability.</a:t>
+            </a:r>
+          </a:p>
+          <a:p>
+            <a:pPr marL="228600" indent="-228600">
+              <a:buAutoNum type="arabicPeriod"/>
+            </a:pPr>
             <a:endParaRPr lang="en-US" dirty="0"/>
+          </a:p>
+          <a:p>
+            <a:pPr marL="228600" indent="-228600">
+              <a:buAutoNum type="arabicPeriod"/>
+            </a:pPr>
+            <a:r>
+              <a:rPr lang="en-US" dirty="0"/>
+              <a:t>Designing appropriate loss functions and neural network architectures can be complex.</a:t>
+            </a:r>
+          </a:p>
+          <a:p>
+            <a:pPr marL="228600" indent="-228600">
+              <a:buAutoNum type="arabicPeriod"/>
+            </a:pPr>
+            <a:r>
+              <a:rPr lang="en-US" dirty="0"/>
+              <a:t>Training PINNs can be computationally intensive, particularly for high-dimensional problems.</a:t>
+            </a:r>
+          </a:p>
+          <a:p>
+            <a:pPr marL="228600" indent="-228600">
+              <a:buAutoNum type="arabicPeriod"/>
+            </a:pPr>
+            <a:r>
+              <a:rPr lang="en-US" dirty="0"/>
+              <a:t>Ensuring the accuracy of physics-informed models in scenarios with noisy or incomplete data.</a:t>
+            </a:r>
+          </a:p>
+          <a:p>
+            <a:pPr marL="228600" indent="-228600">
+              <a:buAutoNum type="arabicPeriod"/>
+            </a:pPr>
+            <a:endParaRPr lang="en-US" dirty="0"/>
+          </a:p>
+          <a:p>
+            <a:pPr marL="0" indent="0">
+              <a:buNone/>
+            </a:pPr>
+            <a:r>
+              <a:rPr lang="en-US" dirty="0"/>
+              <a:t>So, what are we doing now? Well, we are so desperate that we looked back to model-based methods, but in a different way. Some of you may be from physics, and then you may hear of physical-informed deep learning/neural network. I know, I know, both DL community and Physics community have some strong opinions on PIDL, but in TSE, it still has some potential in the field of traffic state estimation. </a:t>
+            </a:r>
           </a:p>
         </p:txBody>
       </p:sp>
@@ -1149,7 +1366,7 @@
           <a:p>
             <a:fld id="{A81C4A58-5C1F-443D-B915-E10A8F80DD8C}" type="slidenum">
               <a:rPr lang="en-US" smtClean="0"/>
-              <a:t>8</a:t>
+              <a:t>6</a:t>
             </a:fld>
             <a:endParaRPr lang="en-US"/>
           </a:p>
@@ -1158,7 +1375,7 @@
     </p:spTree>
     <p:extLst>
       <p:ext uri="{BB962C8B-B14F-4D97-AF65-F5344CB8AC3E}">
-        <p14:creationId xmlns:p14="http://schemas.microsoft.com/office/powerpoint/2010/main" val="1202151143"/>
+        <p14:creationId xmlns:p14="http://schemas.microsoft.com/office/powerpoint/2010/main" val="2520953991"/>
       </p:ext>
     </p:extLst>
   </p:cSld>
@@ -1212,24 +1429,43 @@
           <a:bodyPr/>
           <a:lstStyle/>
           <a:p>
-            <a:pPr marL="342900" indent="-342900" algn="l">
-              <a:buAutoNum type="arabicPeriod"/>
-            </a:pPr>
+            <a:pPr algn="l"/>
+            <a:r>
+              <a:rPr lang="en-US" dirty="0"/>
+              <a:t>In 2021, Shi et al. proposed PIDL-FDL.  Which combines </a:t>
+            </a:r>
             <a:r>
               <a:rPr lang="en-US" sz="1800" b="0" i="0" u="none" strike="noStrike" baseline="0" dirty="0">
                 <a:latin typeface="NimbusRomNo9L-Regu"/>
               </a:rPr>
-              <a:t>interpretability of neural network is usually domain-specified, I believe the type of interpretability offered in KANs satisfies the universal needs in transportation science.</a:t>
+              <a:t>Physics-informed deep learning(PIDL) and a fundamental diagram(FD) learner. They managed to solve popular first-order and second-order traffic models with PIDL-FDL and reconstructed the FD relation as well as model parameters outside FD terms. </a:t>
+            </a:r>
+          </a:p>
+          <a:p>
+            <a:pPr marL="0" marR="0" lvl="0" indent="0" algn="l" defTabSz="914400" rtl="0" eaLnBrk="1" fontAlgn="auto" latinLnBrk="0" hangingPunct="1">
+              <a:lnSpc>
+                <a:spcPct val="100000"/>
+              </a:lnSpc>
+              <a:spcBef>
+                <a:spcPts val="0"/>
+              </a:spcBef>
+              <a:spcAft>
+                <a:spcPts val="0"/>
+              </a:spcAft>
+              <a:buClrTx/>
+              <a:buSzTx/>
+              <a:buFontTx/>
+              <a:buNone/>
+              <a:tabLst/>
+              <a:defRPr/>
+            </a:pPr>
+            <a:r>
+              <a:rPr lang="en-US" dirty="0"/>
+              <a:t>STDEN introduced the idea of energy field into FD to strengthen the physical constraints onto the network behavior. </a:t>
             </a:r>
           </a:p>
           <a:p>
             <a:pPr algn="l"/>
-            <a:r>
-              <a:rPr lang="en-US" sz="1800" b="0" i="0" u="none" strike="noStrike" baseline="0" dirty="0">
-                <a:latin typeface="NimbusRomNo9L-Regu"/>
-              </a:rPr>
-              <a:t>2. Considering that many urban areas suffer from insufficient historical traffic data for training deep learning models, transfer learning could speed up the development of graph-based deep learning models in such areas. Nevertheless, the transferability of GNN-based frameworks for traffic forecasting has not yet been extensively studied and requires special attention. It is not practical to train every model for new cities or areas from the scratch, even if the required historical data would be available.</a:t>
-            </a:r>
             <a:endParaRPr lang="en-US" dirty="0"/>
           </a:p>
         </p:txBody>
@@ -1251,7 +1487,7 @@
           <a:p>
             <a:fld id="{A81C4A58-5C1F-443D-B915-E10A8F80DD8C}" type="slidenum">
               <a:rPr lang="en-US" smtClean="0"/>
-              <a:t>9</a:t>
+              <a:t>7</a:t>
             </a:fld>
             <a:endParaRPr lang="en-US"/>
           </a:p>
@@ -1260,7 +1496,7 @@
     </p:spTree>
     <p:extLst>
       <p:ext uri="{BB962C8B-B14F-4D97-AF65-F5344CB8AC3E}">
-        <p14:creationId xmlns:p14="http://schemas.microsoft.com/office/powerpoint/2010/main" val="3180660492"/>
+        <p14:creationId xmlns:p14="http://schemas.microsoft.com/office/powerpoint/2010/main" val="2238868233"/>
       </p:ext>
     </p:extLst>
   </p:cSld>
@@ -1314,7 +1550,28 @@
           <a:bodyPr/>
           <a:lstStyle/>
           <a:p>
+            <a:pPr marL="0" indent="0" algn="l">
+              <a:buNone/>
+            </a:pPr>
+            <a:r>
+              <a:rPr lang="en-US" dirty="0"/>
+              <a:t>So, there is a huge topic in both DL community and transportation. Interpretability is a long-standing topic since the birth of the first implementation of DL. Although some of the domain in CS or industry believe interpretability is not important as accuracy of the results. But in transportation, a field that is usually required to make influential decisions, we need more explanation on results from the machine and to conduct “what-if” analysis or to testify the solidness of the answer. And another example in a microscope view, when you are driving in an autonomous car, I believe you worried about the auto-pilot’s decision at least once. Sometimes may be “Why it is turning at this intersection?” or “God, it brakes for what?”</a:t>
+            </a:r>
+          </a:p>
+          <a:p>
+            <a:pPr marL="0" indent="0" algn="l">
+              <a:buNone/>
+            </a:pPr>
             <a:endParaRPr lang="en-US" dirty="0"/>
+          </a:p>
+          <a:p>
+            <a:pPr marL="0" indent="0" algn="l">
+              <a:buNone/>
+            </a:pPr>
+            <a:r>
+              <a:rPr lang="en-US" dirty="0"/>
+              <a:t>In field of TF and TSE, our worries usually fall into the first category. Right now, the interpretability of DL in transportation is still overlooked. </a:t>
+            </a:r>
           </a:p>
         </p:txBody>
       </p:sp>
@@ -1335,7 +1592,7 @@
           <a:p>
             <a:fld id="{A81C4A58-5C1F-443D-B915-E10A8F80DD8C}" type="slidenum">
               <a:rPr lang="en-US" smtClean="0"/>
-              <a:t>10</a:t>
+              <a:t>8</a:t>
             </a:fld>
             <a:endParaRPr lang="en-US"/>
           </a:p>
@@ -1344,7 +1601,7 @@
     </p:spTree>
     <p:extLst>
       <p:ext uri="{BB962C8B-B14F-4D97-AF65-F5344CB8AC3E}">
-        <p14:creationId xmlns:p14="http://schemas.microsoft.com/office/powerpoint/2010/main" val="919074495"/>
+        <p14:creationId xmlns:p14="http://schemas.microsoft.com/office/powerpoint/2010/main" val="3180660492"/>
       </p:ext>
     </p:extLst>
   </p:cSld>
@@ -1398,39 +1655,225 @@
           <a:bodyPr/>
           <a:lstStyle/>
           <a:p>
-            <a:pPr marL="228600" indent="-228600" algn="l">
+            <a:endParaRPr lang="en-US" dirty="0"/>
+          </a:p>
+        </p:txBody>
+      </p:sp>
+      <p:sp>
+        <p:nvSpPr>
+          <p:cNvPr id="4" name="Slide Number Placeholder 3"/>
+          <p:cNvSpPr>
+            <a:spLocks noGrp="1"/>
+          </p:cNvSpPr>
+          <p:nvPr>
+            <p:ph type="sldNum" sz="quarter" idx="5"/>
+          </p:nvPr>
+        </p:nvSpPr>
+        <p:spPr/>
+        <p:txBody>
+          <a:bodyPr/>
+          <a:lstStyle/>
+          <a:p>
+            <a:fld id="{A81C4A58-5C1F-443D-B915-E10A8F80DD8C}" type="slidenum">
+              <a:rPr lang="en-US" smtClean="0"/>
+              <a:t>9</a:t>
+            </a:fld>
+            <a:endParaRPr lang="en-US"/>
+          </a:p>
+        </p:txBody>
+      </p:sp>
+    </p:spTree>
+    <p:extLst>
+      <p:ext uri="{BB962C8B-B14F-4D97-AF65-F5344CB8AC3E}">
+        <p14:creationId xmlns:p14="http://schemas.microsoft.com/office/powerpoint/2010/main" val="919074495"/>
+      </p:ext>
+    </p:extLst>
+  </p:cSld>
+  <p:clrMapOvr>
+    <a:masterClrMapping/>
+  </p:clrMapOvr>
+</p:notes>
+</file>
+
+<file path=ppt/notesSlides/notesSlide9.xml><?xml version="1.0" encoding="utf-8"?>
+<p:notes xmlns:a="http://schemas.openxmlformats.org/drawingml/2006/main" xmlns:r="http://schemas.openxmlformats.org/officeDocument/2006/relationships" xmlns:p="http://schemas.openxmlformats.org/presentationml/2006/main">
+  <p:cSld>
+    <p:spTree>
+      <p:nvGrpSpPr>
+        <p:cNvPr id="1" name=""/>
+        <p:cNvGrpSpPr/>
+        <p:nvPr/>
+      </p:nvGrpSpPr>
+      <p:grpSpPr>
+        <a:xfrm>
+          <a:off x="0" y="0"/>
+          <a:ext cx="0" cy="0"/>
+          <a:chOff x="0" y="0"/>
+          <a:chExt cx="0" cy="0"/>
+        </a:xfrm>
+      </p:grpSpPr>
+      <p:sp>
+        <p:nvSpPr>
+          <p:cNvPr id="2" name="Slide Image Placeholder 1"/>
+          <p:cNvSpPr>
+            <a:spLocks noGrp="1" noRot="1" noChangeAspect="1"/>
+          </p:cNvSpPr>
+          <p:nvPr>
+            <p:ph type="sldImg"/>
+          </p:nvPr>
+        </p:nvSpPr>
+        <p:spPr/>
+      </p:sp>
+      <p:sp>
+        <p:nvSpPr>
+          <p:cNvPr id="3" name="Notes Placeholder 2"/>
+          <p:cNvSpPr>
+            <a:spLocks noGrp="1"/>
+          </p:cNvSpPr>
+          <p:nvPr>
+            <p:ph type="body" idx="1"/>
+          </p:nvPr>
+        </p:nvSpPr>
+        <p:spPr/>
+        <p:txBody>
+          <a:bodyPr/>
+          <a:lstStyle/>
+          <a:p>
+            <a:pPr algn="l"/>
+            <a:r>
+              <a:rPr lang="en-US" sz="1800" b="0" i="0" u="none" strike="noStrike" baseline="0" dirty="0">
+                <a:latin typeface="NimbusRomNo9L-Regu"/>
+              </a:rPr>
+              <a:t>KAN is based on Kolmogorov-Arnold Representation Theorem(KART) which claims that all the function can be approximated with sum of finite number of univariate functions.</a:t>
+            </a:r>
+          </a:p>
+          <a:p>
+            <a:pPr algn="l"/>
+            <a:endParaRPr lang="en-US" sz="1800" b="0" i="0" u="none" strike="noStrike" baseline="0" dirty="0">
+              <a:latin typeface="NimbusRomNo9L-Regu"/>
+            </a:endParaRPr>
+          </a:p>
+          <a:p>
+            <a:pPr algn="l"/>
+            <a:r>
+              <a:rPr lang="en-US" sz="1800" b="0" i="0" u="none" strike="noStrike" baseline="0" dirty="0">
+                <a:latin typeface="NimbusRomNo9L-Regu"/>
+              </a:rPr>
+              <a:t>a neural network framework by substituting linear weights with spline-based univariate functions along the of the network, and the functions are specifically structured as learnable activation functions.</a:t>
+            </a:r>
+          </a:p>
+          <a:p>
+            <a:pPr algn="l"/>
+            <a:r>
+              <a:rPr lang="en-US" sz="1800" b="0" i="0" u="none" strike="noStrike" baseline="0" dirty="0">
+                <a:latin typeface="NimbusRomNo9L-Regu"/>
+              </a:rPr>
+              <a:t>Liu et al. claimed the network can produce a parametric explanation of results based on the topological structure of the network, meanwhile users are able to interact with the network by manually adjusting every learnable functions to tune or test the neural network. And therefore obtain a decent interpretability. </a:t>
+            </a:r>
+          </a:p>
+          <a:p>
+            <a:pPr algn="l"/>
+            <a:endParaRPr lang="en-US" sz="1800" b="0" i="0" u="none" strike="noStrike" baseline="0" dirty="0">
+              <a:latin typeface="NimbusRomNo9L-Regu"/>
+            </a:endParaRPr>
+          </a:p>
+          <a:p>
+            <a:pPr algn="l"/>
+            <a:r>
+              <a:rPr lang="en-US" sz="1800" b="0" i="0" u="none" strike="noStrike" baseline="0" dirty="0">
+                <a:latin typeface="NimbusRomNo9L-Regu"/>
+              </a:rPr>
+              <a:t>Cons: </a:t>
+            </a:r>
+          </a:p>
+          <a:p>
+            <a:pPr marL="342900" indent="-342900" algn="l">
               <a:buAutoNum type="arabicPeriod"/>
             </a:pPr>
             <a:r>
-              <a:rPr lang="en-US" dirty="0"/>
-              <a:t>KART: </a:t>
-            </a:r>
-            <a:r>
               <a:rPr lang="en-US" sz="1800" b="0" i="0" u="none" strike="noStrike" baseline="0" dirty="0">
                 <a:latin typeface="NimbusRomNo9L-Regu"/>
               </a:rPr>
-              <a:t>all the function can be approximated with sum of finite number of univariate functions.</a:t>
-            </a:r>
-          </a:p>
-          <a:p>
-            <a:pPr marL="228600" indent="-228600" algn="l">
+              <a:t>Kan is not genuine product from KART, since it can be expand to a very deep level.</a:t>
+            </a:r>
+          </a:p>
+          <a:p>
+            <a:pPr marL="342900" indent="-342900" algn="l">
               <a:buAutoNum type="arabicPeriod"/>
             </a:pPr>
             <a:r>
               <a:rPr lang="en-US" sz="1800" b="0" i="0" u="none" strike="noStrike" baseline="0" dirty="0">
                 <a:latin typeface="NimbusRomNo9L-Regu"/>
               </a:rPr>
-              <a:t>Why now? KART is not new.</a:t>
-            </a:r>
-          </a:p>
-          <a:p>
-            <a:pPr algn="l"/>
+              <a:t>Kan is a MLP with learnable activation functions</a:t>
+            </a:r>
+          </a:p>
+          <a:p>
+            <a:pPr marL="342900" indent="-342900" algn="l">
+              <a:buAutoNum type="arabicPeriod"/>
+            </a:pPr>
             <a:r>
               <a:rPr lang="en-US" sz="1800" b="0" i="0" u="none" strike="noStrike" baseline="0" dirty="0">
                 <a:latin typeface="NimbusRomNo9L-Regu"/>
               </a:rPr>
-              <a:t>3.   Liu et al. proposed a neural network framework by substituting linear weights with spline-based univariate functions along the of the network, and the functions are specifically structured as learnable activation functions.</a:t>
-            </a:r>
+              <a:t>KAN is suffering from curse of dimensionality</a:t>
+            </a:r>
+          </a:p>
+          <a:p>
+            <a:pPr marL="0" indent="0" algn="l">
+              <a:buNone/>
+            </a:pPr>
+            <a:endParaRPr lang="en-US" sz="1800" b="0" i="0" u="none" strike="noStrike" baseline="0" dirty="0">
+              <a:latin typeface="NimbusRomNo9L-Regu"/>
+            </a:endParaRPr>
+          </a:p>
+          <a:p>
+            <a:pPr algn="l"/>
+            <a:r>
+              <a:rPr lang="en-US" sz="1800" b="0" i="0" u="none" strike="noStrike" baseline="0" dirty="0">
+                <a:latin typeface="NimbusRomNo9L-Regu"/>
+              </a:rPr>
+              <a:t>So far, there is no concrete proof about KANs’ capacity to replace MLPs, but I think KANs is still promising in certain topics due to its unique structure and generally smaller size of the networks. Inspired by KANs, on June 19th, the KAN community proposed a novel scheme for graph neural network based on KANs by incorporating the message passing framework into KAN. In the result, </a:t>
+            </a:r>
+            <a:r>
+              <a:rPr lang="en-US" sz="1800" b="0" i="0" u="none" strike="noStrike" baseline="0" dirty="0" err="1">
+                <a:latin typeface="NimbusRomNo9L-Regu"/>
+              </a:rPr>
+              <a:t>GraphKAN</a:t>
+            </a:r>
+            <a:r>
+              <a:rPr lang="en-US" sz="1800" b="0" i="0" u="none" strike="noStrike" baseline="0" dirty="0">
+                <a:latin typeface="NimbusRomNo9L-Regu"/>
+              </a:rPr>
+              <a:t>, comparing to graph convolution network, had higher accuracy in accuracy while the computation time was 25 percent more. But, </a:t>
+            </a:r>
+            <a:r>
+              <a:rPr lang="en-US" sz="1800" b="0" i="0" u="none" strike="noStrike" baseline="0" dirty="0" err="1">
+                <a:latin typeface="NimbusRomNo9L-Regu"/>
+              </a:rPr>
+              <a:t>GraphKAN</a:t>
+            </a:r>
+            <a:r>
+              <a:rPr lang="en-US" sz="1800" b="0" i="0" u="none" strike="noStrike" baseline="0" dirty="0">
+                <a:latin typeface="NimbusRomNo9L-Regu"/>
+              </a:rPr>
+              <a:t> successfully showcased a new option for GNN framework for transportation field. Furthermore, the DL community subsequently introduced Temporal-KAN(or TKAN) [20] and Time-series KAN [21] which focus on the forecasting with time-series data.</a:t>
+            </a:r>
+          </a:p>
+          <a:p>
+            <a:pPr algn="l"/>
+            <a:endParaRPr lang="en-US" sz="1800" b="0" i="0" u="none" strike="noStrike" baseline="0" dirty="0">
+              <a:latin typeface="NimbusRomNo9L-Regu"/>
+            </a:endParaRPr>
+          </a:p>
+          <a:p>
+            <a:pPr algn="l"/>
+            <a:endParaRPr lang="en-US" sz="1800" b="0" i="0" u="none" strike="noStrike" baseline="0" dirty="0">
+              <a:latin typeface="NimbusRomNo9L-Regu"/>
+            </a:endParaRPr>
+          </a:p>
+          <a:p>
+            <a:pPr algn="l"/>
             <a:endParaRPr lang="en-US" dirty="0"/>
           </a:p>
         </p:txBody>
@@ -1452,7 +1895,7 @@
           <a:p>
             <a:fld id="{A81C4A58-5C1F-443D-B915-E10A8F80DD8C}" type="slidenum">
               <a:rPr lang="en-US" smtClean="0"/>
-              <a:t>11</a:t>
+              <a:t>10</a:t>
             </a:fld>
             <a:endParaRPr lang="en-US"/>
           </a:p>
@@ -1618,7 +2061,7 @@
           <a:p>
             <a:fld id="{68AFA7A1-9110-44F9-A045-898D2807289F}" type="datetimeFigureOut">
               <a:rPr lang="en-US" smtClean="0"/>
-              <a:t>7/10/2024</a:t>
+              <a:t>7/11/2024</a:t>
             </a:fld>
             <a:endParaRPr lang="en-US"/>
           </a:p>
@@ -1816,7 +2259,7 @@
           <a:p>
             <a:fld id="{68AFA7A1-9110-44F9-A045-898D2807289F}" type="datetimeFigureOut">
               <a:rPr lang="en-US" smtClean="0"/>
-              <a:t>7/10/2024</a:t>
+              <a:t>7/11/2024</a:t>
             </a:fld>
             <a:endParaRPr lang="en-US"/>
           </a:p>
@@ -2024,7 +2467,7 @@
           <a:p>
             <a:fld id="{68AFA7A1-9110-44F9-A045-898D2807289F}" type="datetimeFigureOut">
               <a:rPr lang="en-US" smtClean="0"/>
-              <a:t>7/10/2024</a:t>
+              <a:t>7/11/2024</a:t>
             </a:fld>
             <a:endParaRPr lang="en-US"/>
           </a:p>
@@ -2222,7 +2665,7 @@
           <a:p>
             <a:fld id="{68AFA7A1-9110-44F9-A045-898D2807289F}" type="datetimeFigureOut">
               <a:rPr lang="en-US" smtClean="0"/>
-              <a:t>7/10/2024</a:t>
+              <a:t>7/11/2024</a:t>
             </a:fld>
             <a:endParaRPr lang="en-US"/>
           </a:p>
@@ -2497,7 +2940,7 @@
           <a:p>
             <a:fld id="{68AFA7A1-9110-44F9-A045-898D2807289F}" type="datetimeFigureOut">
               <a:rPr lang="en-US" smtClean="0"/>
-              <a:t>7/10/2024</a:t>
+              <a:t>7/11/2024</a:t>
             </a:fld>
             <a:endParaRPr lang="en-US"/>
           </a:p>
@@ -2762,7 +3205,7 @@
           <a:p>
             <a:fld id="{68AFA7A1-9110-44F9-A045-898D2807289F}" type="datetimeFigureOut">
               <a:rPr lang="en-US" smtClean="0"/>
-              <a:t>7/10/2024</a:t>
+              <a:t>7/11/2024</a:t>
             </a:fld>
             <a:endParaRPr lang="en-US"/>
           </a:p>
@@ -3174,7 +3617,7 @@
           <a:p>
             <a:fld id="{68AFA7A1-9110-44F9-A045-898D2807289F}" type="datetimeFigureOut">
               <a:rPr lang="en-US" smtClean="0"/>
-              <a:t>7/10/2024</a:t>
+              <a:t>7/11/2024</a:t>
             </a:fld>
             <a:endParaRPr lang="en-US"/>
           </a:p>
@@ -3315,7 +3758,7 @@
           <a:p>
             <a:fld id="{68AFA7A1-9110-44F9-A045-898D2807289F}" type="datetimeFigureOut">
               <a:rPr lang="en-US" smtClean="0"/>
-              <a:t>7/10/2024</a:t>
+              <a:t>7/11/2024</a:t>
             </a:fld>
             <a:endParaRPr lang="en-US"/>
           </a:p>
@@ -3428,7 +3871,7 @@
           <a:p>
             <a:fld id="{68AFA7A1-9110-44F9-A045-898D2807289F}" type="datetimeFigureOut">
               <a:rPr lang="en-US" smtClean="0"/>
-              <a:t>7/10/2024</a:t>
+              <a:t>7/11/2024</a:t>
             </a:fld>
             <a:endParaRPr lang="en-US"/>
           </a:p>
@@ -3739,7 +4182,7 @@
           <a:p>
             <a:fld id="{68AFA7A1-9110-44F9-A045-898D2807289F}" type="datetimeFigureOut">
               <a:rPr lang="en-US" smtClean="0"/>
-              <a:t>7/10/2024</a:t>
+              <a:t>7/11/2024</a:t>
             </a:fld>
             <a:endParaRPr lang="en-US"/>
           </a:p>
@@ -4027,7 +4470,7 @@
           <a:p>
             <a:fld id="{68AFA7A1-9110-44F9-A045-898D2807289F}" type="datetimeFigureOut">
               <a:rPr lang="en-US" smtClean="0"/>
-              <a:t>7/10/2024</a:t>
+              <a:t>7/11/2024</a:t>
             </a:fld>
             <a:endParaRPr lang="en-US"/>
           </a:p>
@@ -4268,7 +4711,7 @@
           <a:p>
             <a:fld id="{68AFA7A1-9110-44F9-A045-898D2807289F}" type="datetimeFigureOut">
               <a:rPr lang="en-US" smtClean="0"/>
-              <a:t>7/10/2024</a:t>
+              <a:t>7/11/2024</a:t>
             </a:fld>
             <a:endParaRPr lang="en-US"/>
           </a:p>
@@ -4851,125 +5294,6 @@
           <p:cNvPr id="2" name="Title 1">
             <a:extLst>
               <a:ext uri="{FF2B5EF4-FFF2-40B4-BE49-F238E27FC236}">
-                <a16:creationId xmlns:a16="http://schemas.microsoft.com/office/drawing/2014/main" id="{A8EB25C7-8611-9CC9-3ABD-06B8624C2FFD}"/>
-              </a:ext>
-            </a:extLst>
-          </p:cNvPr>
-          <p:cNvSpPr>
-            <a:spLocks noGrp="1"/>
-          </p:cNvSpPr>
-          <p:nvPr>
-            <p:ph type="title"/>
-          </p:nvPr>
-        </p:nvSpPr>
-        <p:spPr/>
-        <p:txBody>
-          <a:bodyPr/>
-          <a:lstStyle/>
-          <a:p>
-            <a:r>
-              <a:rPr lang="en-US" dirty="0">
-                <a:latin typeface="Algerian" panose="04020705040A02060702" pitchFamily="82" charset="0"/>
-              </a:rPr>
-              <a:t>Future research direction</a:t>
-            </a:r>
-          </a:p>
-        </p:txBody>
-      </p:sp>
-      <p:sp>
-        <p:nvSpPr>
-          <p:cNvPr id="3" name="Content Placeholder 2">
-            <a:extLst>
-              <a:ext uri="{FF2B5EF4-FFF2-40B4-BE49-F238E27FC236}">
-                <a16:creationId xmlns:a16="http://schemas.microsoft.com/office/drawing/2014/main" id="{1675F2F5-E5DD-FA38-C243-E4245D3B00C2}"/>
-              </a:ext>
-            </a:extLst>
-          </p:cNvPr>
-          <p:cNvSpPr>
-            <a:spLocks noGrp="1"/>
-          </p:cNvSpPr>
-          <p:nvPr>
-            <p:ph idx="1"/>
-          </p:nvPr>
-        </p:nvSpPr>
-        <p:spPr/>
-        <p:txBody>
-          <a:bodyPr/>
-          <a:lstStyle/>
-          <a:p>
-            <a:pPr marL="0" indent="0" algn="ctr">
-              <a:buNone/>
-            </a:pPr>
-            <a:endParaRPr lang="en-US" dirty="0"/>
-          </a:p>
-          <a:p>
-            <a:pPr marL="0" indent="0" algn="ctr">
-              <a:buNone/>
-            </a:pPr>
-            <a:endParaRPr lang="en-US" dirty="0">
-              <a:latin typeface="Elephant" panose="02020904090505020303" pitchFamily="18" charset="0"/>
-            </a:endParaRPr>
-          </a:p>
-          <a:p>
-            <a:pPr marL="0" indent="0" algn="ctr">
-              <a:buNone/>
-            </a:pPr>
-            <a:endParaRPr lang="en-US" dirty="0">
-              <a:latin typeface="Elephant" panose="02020904090505020303" pitchFamily="18" charset="0"/>
-            </a:endParaRPr>
-          </a:p>
-          <a:p>
-            <a:pPr marL="0" indent="0" algn="ctr">
-              <a:buNone/>
-            </a:pPr>
-            <a:r>
-              <a:rPr lang="en-US" dirty="0">
-                <a:latin typeface="Elephant" panose="02020904090505020303" pitchFamily="18" charset="0"/>
-              </a:rPr>
-              <a:t>Kolmogorov-Arnold Networks(KANs)</a:t>
-            </a:r>
-          </a:p>
-          <a:p>
-            <a:pPr lvl="1"/>
-            <a:endParaRPr lang="en-US" dirty="0"/>
-          </a:p>
-        </p:txBody>
-      </p:sp>
-    </p:spTree>
-    <p:extLst>
-      <p:ext uri="{BB962C8B-B14F-4D97-AF65-F5344CB8AC3E}">
-        <p14:creationId xmlns:p14="http://schemas.microsoft.com/office/powerpoint/2010/main" val="4016135782"/>
-      </p:ext>
-    </p:extLst>
-  </p:cSld>
-  <p:clrMapOvr>
-    <a:masterClrMapping/>
-  </p:clrMapOvr>
-</p:sld>
-</file>
-
-<file path=ppt/slides/slide11.xml><?xml version="1.0" encoding="utf-8"?>
-<p:sld xmlns:a="http://schemas.openxmlformats.org/drawingml/2006/main" xmlns:r="http://schemas.openxmlformats.org/officeDocument/2006/relationships" xmlns:p="http://schemas.openxmlformats.org/presentationml/2006/main">
-  <p:cSld>
-    <p:spTree>
-      <p:nvGrpSpPr>
-        <p:cNvPr id="1" name=""/>
-        <p:cNvGrpSpPr/>
-        <p:nvPr/>
-      </p:nvGrpSpPr>
-      <p:grpSpPr>
-        <a:xfrm>
-          <a:off x="0" y="0"/>
-          <a:ext cx="0" cy="0"/>
-          <a:chOff x="0" y="0"/>
-          <a:chExt cx="0" cy="0"/>
-        </a:xfrm>
-      </p:grpSpPr>
-      <p:sp>
-        <p:nvSpPr>
-          <p:cNvPr id="2" name="Title 1">
-            <a:extLst>
-              <a:ext uri="{FF2B5EF4-FFF2-40B4-BE49-F238E27FC236}">
                 <a16:creationId xmlns:a16="http://schemas.microsoft.com/office/drawing/2014/main" id="{0D278C28-11EE-F9FC-73B0-EAA24C00BE6E}"/>
               </a:ext>
             </a:extLst>
@@ -5071,6 +5395,55 @@
           </a:p>
           <a:p>
             <a:endParaRPr lang="en-US" dirty="0"/>
+          </a:p>
+        </p:txBody>
+      </p:sp>
+      <p:sp>
+        <p:nvSpPr>
+          <p:cNvPr id="4" name="Rectangle 3">
+            <a:extLst>
+              <a:ext uri="{FF2B5EF4-FFF2-40B4-BE49-F238E27FC236}">
+                <a16:creationId xmlns:a16="http://schemas.microsoft.com/office/drawing/2014/main" id="{DBB43DA9-9917-20E7-A283-D525B27F02FE}"/>
+              </a:ext>
+            </a:extLst>
+          </p:cNvPr>
+          <p:cNvSpPr/>
+          <p:nvPr/>
+        </p:nvSpPr>
+        <p:spPr>
+          <a:xfrm>
+            <a:off x="6708228" y="2451538"/>
+            <a:ext cx="4240924" cy="3531476"/>
+          </a:xfrm>
+          <a:prstGeom prst="rect">
+            <a:avLst/>
+          </a:prstGeom>
+        </p:spPr>
+        <p:style>
+          <a:lnRef idx="2">
+            <a:schemeClr val="accent1">
+              <a:shade val="15000"/>
+            </a:schemeClr>
+          </a:lnRef>
+          <a:fillRef idx="1">
+            <a:schemeClr val="accent1"/>
+          </a:fillRef>
+          <a:effectRef idx="0">
+            <a:schemeClr val="accent1"/>
+          </a:effectRef>
+          <a:fontRef idx="minor">
+            <a:schemeClr val="lt1"/>
+          </a:fontRef>
+        </p:style>
+        <p:txBody>
+          <a:bodyPr rtlCol="0" anchor="ctr"/>
+          <a:lstStyle/>
+          <a:p>
+            <a:pPr algn="ctr"/>
+            <a:r>
+              <a:rPr lang="en-US" dirty="0"/>
+              <a:t>Structure of KANs</a:t>
+            </a:r>
           </a:p>
         </p:txBody>
       </p:sp>
@@ -5278,7 +5651,7 @@
           <p:cNvPr id="2" name="Title 1">
             <a:extLst>
               <a:ext uri="{FF2B5EF4-FFF2-40B4-BE49-F238E27FC236}">
-                <a16:creationId xmlns:a16="http://schemas.microsoft.com/office/drawing/2014/main" id="{7369BCC4-3E9B-53DE-A086-91DF40FE1983}"/>
+                <a16:creationId xmlns:a16="http://schemas.microsoft.com/office/drawing/2014/main" id="{E08AC3F7-6E35-D40B-F18F-2361C08920FE}"/>
               </a:ext>
             </a:extLst>
           </p:cNvPr>
@@ -5289,53 +5662,213 @@
             <p:ph type="title"/>
           </p:nvPr>
         </p:nvSpPr>
-        <p:spPr/>
-        <p:txBody>
-          <a:bodyPr/>
+        <p:spPr>
+          <a:xfrm>
+            <a:off x="838200" y="274191"/>
+            <a:ext cx="10515600" cy="1325563"/>
+          </a:xfrm>
+        </p:spPr>
+        <p:txBody>
+          <a:bodyPr/>
+          <a:lstStyle/>
+          <a:p>
+            <a:r>
+              <a:rPr lang="en-US" dirty="0"/>
+              <a:t>Traffic Forecasting &amp; DL</a:t>
+            </a:r>
+          </a:p>
+        </p:txBody>
+      </p:sp>
+      <p:sp>
+        <p:nvSpPr>
+          <p:cNvPr id="3" name="Content Placeholder 2">
+            <a:extLst>
+              <a:ext uri="{FF2B5EF4-FFF2-40B4-BE49-F238E27FC236}">
+                <a16:creationId xmlns:a16="http://schemas.microsoft.com/office/drawing/2014/main" id="{F74071A9-6D1D-BEF5-5D29-2704370CA8E0}"/>
+              </a:ext>
+            </a:extLst>
+          </p:cNvPr>
+          <p:cNvSpPr>
+            <a:spLocks noGrp="1"/>
+          </p:cNvSpPr>
+          <p:nvPr>
+            <p:ph idx="1"/>
+          </p:nvPr>
+        </p:nvSpPr>
+        <p:spPr>
+          <a:xfrm>
+            <a:off x="838200" y="1539478"/>
+            <a:ext cx="10515600" cy="4351338"/>
+          </a:xfrm>
+        </p:spPr>
+        <p:txBody>
+          <a:bodyPr>
+            <a:normAutofit/>
+          </a:bodyPr>
+          <a:lstStyle/>
+          <a:p>
+            <a:r>
+              <a:rPr lang="en-US" dirty="0"/>
+              <a:t>What is Traffic Forecasting?</a:t>
+            </a:r>
+          </a:p>
+          <a:p>
+            <a:pPr lvl="1"/>
+            <a:r>
+              <a:rPr lang="en-US" dirty="0"/>
+              <a:t>To predict, based on data we have</a:t>
+            </a:r>
+          </a:p>
+          <a:p>
+            <a:r>
+              <a:rPr lang="en-US" dirty="0"/>
+              <a:t>What is forecasting like before? </a:t>
+            </a:r>
+          </a:p>
+          <a:p>
+            <a:pPr lvl="1"/>
+            <a:r>
+              <a:rPr lang="en-US" dirty="0"/>
+              <a:t>1960s: linear models (Stone age)</a:t>
+            </a:r>
+          </a:p>
+          <a:p>
+            <a:pPr lvl="1"/>
+            <a:endParaRPr lang="en-US" dirty="0"/>
+          </a:p>
+          <a:p>
+            <a:pPr lvl="1"/>
+            <a:r>
+              <a:rPr lang="en-US" dirty="0"/>
+              <a:t>1970s-1990s: statistical models, e.g. ARIMA (Dark ages)</a:t>
+            </a:r>
+          </a:p>
+          <a:p>
+            <a:pPr lvl="1"/>
+            <a:endParaRPr lang="en-US" dirty="0"/>
+          </a:p>
+          <a:p>
+            <a:pPr lvl="1"/>
+            <a:r>
+              <a:rPr lang="en-US" dirty="0"/>
+              <a:t>2000s: machine learning(Industrial Revolution)</a:t>
+            </a:r>
+          </a:p>
+          <a:p>
+            <a:pPr lvl="1"/>
+            <a:endParaRPr lang="en-US" dirty="0"/>
+          </a:p>
+          <a:p>
+            <a:pPr lvl="1"/>
+            <a:r>
+              <a:rPr lang="en-US" dirty="0"/>
+              <a:t>2010s-Present: Deep learning(iphone4)</a:t>
+            </a:r>
+          </a:p>
+        </p:txBody>
+      </p:sp>
+      <p:sp>
+        <p:nvSpPr>
+          <p:cNvPr id="5" name="Rectangle: Rounded Corners 4">
+            <a:extLst>
+              <a:ext uri="{FF2B5EF4-FFF2-40B4-BE49-F238E27FC236}">
+                <a16:creationId xmlns:a16="http://schemas.microsoft.com/office/drawing/2014/main" id="{A6EFE191-CCEA-5081-ECFF-BB346C594F9C}"/>
+              </a:ext>
+            </a:extLst>
+          </p:cNvPr>
+          <p:cNvSpPr/>
+          <p:nvPr/>
+        </p:nvSpPr>
+        <p:spPr>
+          <a:xfrm>
+            <a:off x="7365545" y="290100"/>
+            <a:ext cx="2490603" cy="2100341"/>
+          </a:xfrm>
+          <a:prstGeom prst="roundRect">
+            <a:avLst/>
+          </a:prstGeom>
+        </p:spPr>
+        <p:style>
+          <a:lnRef idx="2">
+            <a:schemeClr val="accent1">
+              <a:shade val="15000"/>
+            </a:schemeClr>
+          </a:lnRef>
+          <a:fillRef idx="1">
+            <a:schemeClr val="accent1"/>
+          </a:fillRef>
+          <a:effectRef idx="0">
+            <a:schemeClr val="accent1"/>
+          </a:effectRef>
+          <a:fontRef idx="minor">
+            <a:schemeClr val="lt1"/>
+          </a:fontRef>
+        </p:style>
+        <p:txBody>
+          <a:bodyPr rtlCol="0" anchor="ctr"/>
           <a:lstStyle/>
           <a:p>
             <a:pPr algn="ctr"/>
             <a:r>
-              <a:rPr lang="en-US" dirty="0">
-                <a:latin typeface="Algerian" panose="04020705040A02060702" pitchFamily="82" charset="0"/>
-              </a:rPr>
-              <a:t>Agenda</a:t>
-            </a:r>
-          </a:p>
-        </p:txBody>
-      </p:sp>
-      <p:sp>
-        <p:nvSpPr>
-          <p:cNvPr id="3" name="Content Placeholder 2">
-            <a:extLst>
-              <a:ext uri="{FF2B5EF4-FFF2-40B4-BE49-F238E27FC236}">
-                <a16:creationId xmlns:a16="http://schemas.microsoft.com/office/drawing/2014/main" id="{5C3FC39E-9352-CC0F-D0A8-602A200A50F6}"/>
-              </a:ext>
-            </a:extLst>
-          </p:cNvPr>
-          <p:cNvSpPr>
-            <a:spLocks noGrp="1"/>
-          </p:cNvSpPr>
-          <p:nvPr>
-            <p:ph idx="1"/>
-          </p:nvPr>
-        </p:nvSpPr>
-        <p:spPr/>
-        <p:txBody>
-          <a:bodyPr/>
-          <a:lstStyle/>
-          <a:p>
-            <a:pPr marL="0" indent="0">
-              <a:buNone/>
-            </a:pPr>
-            <a:endParaRPr lang="en-US" dirty="0"/>
+              <a:rPr lang="en-US" dirty="0"/>
+              <a:t>Witch pic</a:t>
+            </a:r>
+          </a:p>
+        </p:txBody>
+      </p:sp>
+      <p:sp>
+        <p:nvSpPr>
+          <p:cNvPr id="6" name="Rectangle: Rounded Corners 5">
+            <a:extLst>
+              <a:ext uri="{FF2B5EF4-FFF2-40B4-BE49-F238E27FC236}">
+                <a16:creationId xmlns:a16="http://schemas.microsoft.com/office/drawing/2014/main" id="{453754E7-19B5-EB77-AEA3-2578AA69E39E}"/>
+              </a:ext>
+            </a:extLst>
+          </p:cNvPr>
+          <p:cNvSpPr/>
+          <p:nvPr/>
+        </p:nvSpPr>
+        <p:spPr>
+          <a:xfrm>
+            <a:off x="9730024" y="4662934"/>
+            <a:ext cx="2344097" cy="2100341"/>
+          </a:xfrm>
+          <a:prstGeom prst="roundRect">
+            <a:avLst/>
+          </a:prstGeom>
+        </p:spPr>
+        <p:style>
+          <a:lnRef idx="2">
+            <a:schemeClr val="accent1">
+              <a:shade val="15000"/>
+            </a:schemeClr>
+          </a:lnRef>
+          <a:fillRef idx="1">
+            <a:schemeClr val="accent1"/>
+          </a:fillRef>
+          <a:effectRef idx="0">
+            <a:schemeClr val="accent1"/>
+          </a:effectRef>
+          <a:fontRef idx="minor">
+            <a:schemeClr val="lt1"/>
+          </a:fontRef>
+        </p:style>
+        <p:txBody>
+          <a:bodyPr rtlCol="0" anchor="ctr"/>
+          <a:lstStyle/>
+          <a:p>
+            <a:pPr algn="ctr"/>
+            <a:r>
+              <a:rPr lang="en-US" dirty="0"/>
+              <a:t>Adjacent Matrix</a:t>
+            </a:r>
           </a:p>
         </p:txBody>
       </p:sp>
     </p:spTree>
     <p:extLst>
       <p:ext uri="{BB962C8B-B14F-4D97-AF65-F5344CB8AC3E}">
-        <p14:creationId xmlns:p14="http://schemas.microsoft.com/office/powerpoint/2010/main" val="269721204"/>
+        <p14:creationId xmlns:p14="http://schemas.microsoft.com/office/powerpoint/2010/main" val="1417155119"/>
       </p:ext>
     </p:extLst>
   </p:cSld>
@@ -5367,7 +5900,7 @@
           <p:cNvPr id="2" name="Title 1">
             <a:extLst>
               <a:ext uri="{FF2B5EF4-FFF2-40B4-BE49-F238E27FC236}">
-                <a16:creationId xmlns:a16="http://schemas.microsoft.com/office/drawing/2014/main" id="{A1B6993B-5829-FB67-7CA6-AC44F7CE6470}"/>
+                <a16:creationId xmlns:a16="http://schemas.microsoft.com/office/drawing/2014/main" id="{76C81C1F-56B6-7021-6B69-6B03AA49309B}"/>
               </a:ext>
             </a:extLst>
           </p:cNvPr>
@@ -5384,75 +5917,118 @@
           <a:lstStyle/>
           <a:p>
             <a:r>
+              <a:rPr lang="en-US" altLang="zh-CN" dirty="0"/>
+              <a:t>GNNs in traffic forecasting</a:t>
+            </a:r>
+            <a:endParaRPr lang="en-US" dirty="0"/>
+          </a:p>
+        </p:txBody>
+      </p:sp>
+      <p:sp>
+        <p:nvSpPr>
+          <p:cNvPr id="3" name="Content Placeholder 2">
+            <a:extLst>
+              <a:ext uri="{FF2B5EF4-FFF2-40B4-BE49-F238E27FC236}">
+                <a16:creationId xmlns:a16="http://schemas.microsoft.com/office/drawing/2014/main" id="{F96CA2DE-0C9D-ED27-AA02-387DE7BC8018}"/>
+              </a:ext>
+            </a:extLst>
+          </p:cNvPr>
+          <p:cNvSpPr>
+            <a:spLocks noGrp="1"/>
+          </p:cNvSpPr>
+          <p:nvPr>
+            <p:ph idx="1"/>
+          </p:nvPr>
+        </p:nvSpPr>
+        <p:spPr/>
+        <p:txBody>
+          <a:bodyPr/>
+          <a:lstStyle/>
+          <a:p>
+            <a:endParaRPr lang="en-US" dirty="0"/>
+          </a:p>
+          <a:p>
+            <a:r>
+              <a:rPr lang="en-US" dirty="0"/>
+              <a:t>Graph Neural Networks(GNNs)</a:t>
+            </a:r>
+          </a:p>
+          <a:p>
+            <a:pPr lvl="1"/>
+            <a:r>
+              <a:rPr lang="en-US" dirty="0"/>
+              <a:t>Why GNNs is chosen?</a:t>
+            </a:r>
+          </a:p>
+          <a:p>
+            <a:pPr lvl="2"/>
+            <a:r>
+              <a:rPr lang="en-US" dirty="0"/>
+              <a:t>Traffic network are naturally graphs</a:t>
+            </a:r>
+          </a:p>
+          <a:p>
+            <a:pPr lvl="2"/>
+            <a:r>
+              <a:rPr lang="en-US" dirty="0"/>
+              <a:t>Features in Non-Euclidean Space</a:t>
+            </a:r>
+          </a:p>
+          <a:p>
+            <a:pPr lvl="2"/>
+            <a:r>
+              <a:rPr lang="en-US" dirty="0"/>
+              <a:t>One of the first attempt:</a:t>
+            </a:r>
+          </a:p>
+          <a:p>
+            <a:pPr lvl="3"/>
+            <a:r>
+              <a:rPr lang="en-US" sz="1800" b="0" i="0" u="none" strike="noStrike" baseline="0" dirty="0" err="1">
+                <a:latin typeface="NimbusRomNo9L-Regu"/>
+              </a:rPr>
+              <a:t>Shahsavari</a:t>
+            </a:r>
+            <a:r>
+              <a:rPr lang="en-US" sz="1800" b="0" i="0" u="none" strike="noStrike" baseline="0" dirty="0">
+                <a:latin typeface="NimbusRomNo9L-Regu"/>
+              </a:rPr>
+              <a:t> et al.</a:t>
+            </a:r>
+            <a:r>
               <a:rPr lang="en-US" dirty="0">
-                <a:latin typeface="Algerian" panose="04020705040A02060702" pitchFamily="82" charset="0"/>
-              </a:rPr>
-              <a:t>Traffic Forecasting &amp; DL</a:t>
-            </a:r>
-          </a:p>
-        </p:txBody>
-      </p:sp>
-      <p:sp>
-        <p:nvSpPr>
-          <p:cNvPr id="3" name="Content Placeholder 2">
-            <a:extLst>
-              <a:ext uri="{FF2B5EF4-FFF2-40B4-BE49-F238E27FC236}">
-                <a16:creationId xmlns:a16="http://schemas.microsoft.com/office/drawing/2014/main" id="{FE485B67-C6FB-2931-F245-BA628FFA7ABF}"/>
-              </a:ext>
-            </a:extLst>
-          </p:cNvPr>
-          <p:cNvSpPr>
-            <a:spLocks noGrp="1"/>
-          </p:cNvSpPr>
-          <p:nvPr>
-            <p:ph idx="1"/>
-          </p:nvPr>
-        </p:nvSpPr>
-        <p:spPr/>
-        <p:txBody>
-          <a:bodyPr/>
-          <a:lstStyle/>
-          <a:p>
-            <a:endParaRPr lang="en-US" dirty="0"/>
-          </a:p>
-          <a:p>
+                <a:latin typeface="NimbusRomNo9L-Regu"/>
+              </a:rPr>
+              <a:t>, </a:t>
+            </a:r>
+            <a:r>
+              <a:rPr lang="en-US" sz="1800" b="0" i="1" u="none" strike="noStrike" baseline="0" dirty="0">
+                <a:latin typeface="NimbusRomNo9L-Regu"/>
+              </a:rPr>
+              <a:t>Short-term traffic forecasting</a:t>
+            </a:r>
+            <a:r>
+              <a:rPr lang="en-US" sz="1800" b="0" u="none" strike="noStrike" baseline="0" dirty="0">
+                <a:latin typeface="NimbusRomNo9L-Regu"/>
+              </a:rPr>
+              <a:t>, 2015</a:t>
+            </a:r>
+          </a:p>
+          <a:p>
+            <a:pPr lvl="2"/>
             <a:r>
               <a:rPr lang="en-US" dirty="0"/>
-              <a:t>Graph Convolutional Networks(GNN&amp;GCNs)</a:t>
-            </a:r>
-          </a:p>
-          <a:p>
-            <a:pPr lvl="1"/>
+              <a:t>A famous baseline method: </a:t>
+            </a:r>
+          </a:p>
+          <a:p>
+            <a:pPr lvl="3"/>
             <a:r>
               <a:rPr lang="en-US" dirty="0"/>
-              <a:t>Spatial-based &amp; Spectral-based</a:t>
-            </a:r>
-          </a:p>
-          <a:p>
-            <a:pPr lvl="1"/>
-            <a:r>
-              <a:rPr lang="en-US" dirty="0"/>
-              <a:t>Spatial dependencies are defined in the form of adjacent matrices and feature matrices</a:t>
-            </a:r>
-          </a:p>
-          <a:p>
-            <a:pPr lvl="1"/>
-            <a:r>
-              <a:rPr lang="en-US" dirty="0"/>
-              <a:t>GCN transforms node features by aggregating information from neighboring nodes. </a:t>
-            </a:r>
-          </a:p>
-          <a:p>
-            <a:pPr lvl="1"/>
-            <a:r>
-              <a:rPr lang="en-US" dirty="0"/>
-              <a:t>Examples are STGCN(spatial-temporal graph convolutional network), </a:t>
-            </a:r>
-          </a:p>
-          <a:p>
-            <a:pPr marL="457200" lvl="1" indent="0">
-              <a:buNone/>
-            </a:pPr>
+              <a:t>Yu et al. spatial-temporal graph convolutional network (STGCN), 2017</a:t>
+            </a:r>
+          </a:p>
+          <a:p>
             <a:endParaRPr lang="en-US" dirty="0"/>
           </a:p>
         </p:txBody>
@@ -5460,7 +6036,7 @@
     </p:spTree>
     <p:extLst>
       <p:ext uri="{BB962C8B-B14F-4D97-AF65-F5344CB8AC3E}">
-        <p14:creationId xmlns:p14="http://schemas.microsoft.com/office/powerpoint/2010/main" val="1221628783"/>
+        <p14:creationId xmlns:p14="http://schemas.microsoft.com/office/powerpoint/2010/main" val="2986925101"/>
       </p:ext>
     </p:extLst>
   </p:cSld>
@@ -5492,7 +6068,7 @@
           <p:cNvPr id="2" name="Title 1">
             <a:extLst>
               <a:ext uri="{FF2B5EF4-FFF2-40B4-BE49-F238E27FC236}">
-                <a16:creationId xmlns:a16="http://schemas.microsoft.com/office/drawing/2014/main" id="{0C522A03-042D-37F1-5E08-463F029EB182}"/>
+                <a16:creationId xmlns:a16="http://schemas.microsoft.com/office/drawing/2014/main" id="{2FE493F4-C177-31B6-A2C1-4EC64B483C5A}"/>
               </a:ext>
             </a:extLst>
           </p:cNvPr>
@@ -5509,53 +6085,132 @@
           <a:lstStyle/>
           <a:p>
             <a:r>
+              <a:rPr lang="en-US" dirty="0">
+                <a:latin typeface="Algerian" panose="04020705040A02060702" pitchFamily="82" charset="0"/>
+              </a:rPr>
+              <a:t>Traffic State Estimation(TSE)&amp; DL</a:t>
+            </a:r>
+          </a:p>
+        </p:txBody>
+      </p:sp>
+      <p:sp>
+        <p:nvSpPr>
+          <p:cNvPr id="3" name="Content Placeholder 2">
+            <a:extLst>
+              <a:ext uri="{FF2B5EF4-FFF2-40B4-BE49-F238E27FC236}">
+                <a16:creationId xmlns:a16="http://schemas.microsoft.com/office/drawing/2014/main" id="{27E38187-A87F-0013-358C-FE21CF2D38D4}"/>
+              </a:ext>
+            </a:extLst>
+          </p:cNvPr>
+          <p:cNvSpPr>
+            <a:spLocks noGrp="1"/>
+          </p:cNvSpPr>
+          <p:nvPr>
+            <p:ph idx="1"/>
+          </p:nvPr>
+        </p:nvSpPr>
+        <p:spPr/>
+        <p:txBody>
+          <a:bodyPr/>
+          <a:lstStyle/>
+          <a:p>
+            <a:r>
               <a:rPr lang="en-US" dirty="0"/>
-              <a:t>Challenge of forecasting</a:t>
-            </a:r>
-          </a:p>
-        </p:txBody>
-      </p:sp>
-      <p:sp>
-        <p:nvSpPr>
-          <p:cNvPr id="3" name="Content Placeholder 2">
-            <a:extLst>
-              <a:ext uri="{FF2B5EF4-FFF2-40B4-BE49-F238E27FC236}">
-                <a16:creationId xmlns:a16="http://schemas.microsoft.com/office/drawing/2014/main" id="{177F3932-ABAE-0807-78EF-E6E08365CD49}"/>
-              </a:ext>
-            </a:extLst>
-          </p:cNvPr>
-          <p:cNvSpPr>
-            <a:spLocks noGrp="1"/>
-          </p:cNvSpPr>
-          <p:nvPr>
-            <p:ph idx="1"/>
-          </p:nvPr>
+              <a:t>What is TSE?</a:t>
+            </a:r>
+          </a:p>
+          <a:p>
+            <a:r>
+              <a:rPr lang="en-US" dirty="0"/>
+              <a:t>History</a:t>
+            </a:r>
+          </a:p>
+          <a:p>
+            <a:pPr lvl="1"/>
+            <a:r>
+              <a:rPr lang="en-US" dirty="0"/>
+              <a:t>Model-based methods</a:t>
+            </a:r>
+          </a:p>
+          <a:p>
+            <a:pPr lvl="2"/>
+            <a:r>
+              <a:rPr lang="en-US" dirty="0"/>
+              <a:t>LWR, ARZ models</a:t>
+            </a:r>
+          </a:p>
+          <a:p>
+            <a:pPr lvl="1"/>
+            <a:r>
+              <a:rPr lang="en-US" dirty="0"/>
+              <a:t>Data-driven methods</a:t>
+            </a:r>
+          </a:p>
+          <a:p>
+            <a:pPr lvl="2"/>
+            <a:r>
+              <a:rPr lang="en-US" dirty="0"/>
+              <a:t>STGCN, DCRNN</a:t>
+            </a:r>
+          </a:p>
+          <a:p>
+            <a:pPr lvl="1"/>
+            <a:r>
+              <a:rPr lang="en-US" dirty="0"/>
+              <a:t>Hybrid methos</a:t>
+            </a:r>
+          </a:p>
+          <a:p>
+            <a:pPr lvl="2"/>
+            <a:endParaRPr lang="en-US" dirty="0"/>
+          </a:p>
+        </p:txBody>
+      </p:sp>
+      <p:sp>
+        <p:nvSpPr>
+          <p:cNvPr id="4" name="Rectangle 3">
+            <a:extLst>
+              <a:ext uri="{FF2B5EF4-FFF2-40B4-BE49-F238E27FC236}">
+                <a16:creationId xmlns:a16="http://schemas.microsoft.com/office/drawing/2014/main" id="{98789EFE-399B-3C4C-F51B-08CFB44D04FA}"/>
+              </a:ext>
+            </a:extLst>
+          </p:cNvPr>
+          <p:cNvSpPr/>
+          <p:nvPr/>
         </p:nvSpPr>
         <p:spPr>
           <a:xfrm>
-            <a:off x="838200" y="1808040"/>
-            <a:ext cx="10515600" cy="4351338"/>
+            <a:off x="7725103" y="1962807"/>
+            <a:ext cx="3200400" cy="1663262"/>
           </a:xfrm>
+          <a:prstGeom prst="rect">
+            <a:avLst/>
+          </a:prstGeom>
         </p:spPr>
-        <p:txBody>
-          <a:bodyPr/>
-          <a:lstStyle/>
-          <a:p>
+        <p:style>
+          <a:lnRef idx="2">
+            <a:schemeClr val="accent1">
+              <a:shade val="15000"/>
+            </a:schemeClr>
+          </a:lnRef>
+          <a:fillRef idx="1">
+            <a:schemeClr val="accent1"/>
+          </a:fillRef>
+          <a:effectRef idx="0">
+            <a:schemeClr val="accent1"/>
+          </a:effectRef>
+          <a:fontRef idx="minor">
+            <a:schemeClr val="lt1"/>
+          </a:fontRef>
+        </p:style>
+        <p:txBody>
+          <a:bodyPr rtlCol="0" anchor="ctr"/>
+          <a:lstStyle/>
+          <a:p>
+            <a:pPr algn="ctr"/>
             <a:r>
               <a:rPr lang="en-US" dirty="0"/>
-              <a:t>Shorten into one slide</a:t>
-            </a:r>
-          </a:p>
-          <a:p>
-            <a:r>
-              <a:rPr lang="en-US" dirty="0"/>
-              <a:t>GNN</a:t>
-            </a:r>
-          </a:p>
-          <a:p>
-            <a:r>
-              <a:rPr lang="en-US" dirty="0"/>
-              <a:t> </a:t>
+              <a:t>A pic of Puzzle</a:t>
             </a:r>
           </a:p>
         </p:txBody>
@@ -5563,7 +6218,7 @@
     </p:spTree>
     <p:extLst>
       <p:ext uri="{BB962C8B-B14F-4D97-AF65-F5344CB8AC3E}">
-        <p14:creationId xmlns:p14="http://schemas.microsoft.com/office/powerpoint/2010/main" val="3366914677"/>
+        <p14:creationId xmlns:p14="http://schemas.microsoft.com/office/powerpoint/2010/main" val="4244363221"/>
       </p:ext>
     </p:extLst>
   </p:cSld>
@@ -5595,7 +6250,7 @@
           <p:cNvPr id="2" name="Title 1">
             <a:extLst>
               <a:ext uri="{FF2B5EF4-FFF2-40B4-BE49-F238E27FC236}">
-                <a16:creationId xmlns:a16="http://schemas.microsoft.com/office/drawing/2014/main" id="{2FE493F4-C177-31B6-A2C1-4EC64B483C5A}"/>
+                <a16:creationId xmlns:a16="http://schemas.microsoft.com/office/drawing/2014/main" id="{E26BB314-4EB4-6642-5D55-A8FD08885DD1}"/>
               </a:ext>
             </a:extLst>
           </p:cNvPr>
@@ -5615,7 +6270,7 @@
               <a:rPr lang="en-US" dirty="0">
                 <a:latin typeface="Algerian" panose="04020705040A02060702" pitchFamily="82" charset="0"/>
               </a:rPr>
-              <a:t>Traffic State Estimation &amp; DL</a:t>
+              <a:t>Traffic state estimation &amp; DL</a:t>
             </a:r>
           </a:p>
         </p:txBody>
@@ -5625,7 +6280,7 @@
           <p:cNvPr id="3" name="Content Placeholder 2">
             <a:extLst>
               <a:ext uri="{FF2B5EF4-FFF2-40B4-BE49-F238E27FC236}">
-                <a16:creationId xmlns:a16="http://schemas.microsoft.com/office/drawing/2014/main" id="{27E38187-A87F-0013-358C-FE21CF2D38D4}"/>
+                <a16:creationId xmlns:a16="http://schemas.microsoft.com/office/drawing/2014/main" id="{3DD2864E-7945-FF34-134E-6EADB12C8350}"/>
               </a:ext>
             </a:extLst>
           </p:cNvPr>
@@ -5636,66 +6291,103 @@
             <p:ph idx="1"/>
           </p:nvPr>
         </p:nvSpPr>
-        <p:spPr/>
-        <p:txBody>
-          <a:bodyPr/>
-          <a:lstStyle/>
-          <a:p>
+        <p:spPr>
+          <a:xfrm>
+            <a:off x="838200" y="1817742"/>
+            <a:ext cx="10515600" cy="4351338"/>
+          </a:xfrm>
+        </p:spPr>
+        <p:txBody>
+          <a:bodyPr>
+            <a:normAutofit fontScale="92500" lnSpcReduction="10000"/>
+          </a:bodyPr>
+          <a:lstStyle/>
+          <a:p>
+            <a:pPr marL="0" indent="0">
+              <a:buNone/>
+            </a:pPr>
             <a:r>
               <a:rPr lang="en-US" dirty="0"/>
-              <a:t>Model-based methods</a:t>
+              <a:t>What are we working on now?</a:t>
+            </a:r>
+          </a:p>
+          <a:p>
+            <a:r>
+              <a:rPr lang="en-US" dirty="0"/>
+              <a:t>Physical-informed deep learning(PIDL)</a:t>
             </a:r>
           </a:p>
           <a:p>
             <a:pPr lvl="1"/>
             <a:r>
-              <a:rPr lang="en-US" dirty="0" err="1"/>
-              <a:t>Lightwhil</a:t>
-            </a:r>
-            <a:r>
               <a:rPr lang="en-US" dirty="0"/>
-              <a:t>-Whitham-Richards model (LWR), Aw-</a:t>
-            </a:r>
-            <a:r>
-              <a:rPr lang="en-US" dirty="0" err="1"/>
-              <a:t>Rascle</a:t>
-            </a:r>
+              <a:t>Data efficiency</a:t>
+            </a:r>
+          </a:p>
+          <a:p>
+            <a:pPr lvl="1"/>
             <a:r>
               <a:rPr lang="en-US" dirty="0"/>
-              <a:t>-Zhang model(ARZ).</a:t>
-            </a:r>
-          </a:p>
-          <a:p>
+              <a:t>Generalization</a:t>
+            </a:r>
+          </a:p>
+          <a:p>
+            <a:pPr lvl="1"/>
+            <a:r>
+              <a:rPr lang="en-US" dirty="0"/>
+              <a:t>Interpretability</a:t>
+            </a:r>
+          </a:p>
+          <a:p>
+            <a:pPr lvl="1"/>
             <a:endParaRPr lang="en-US" dirty="0"/>
           </a:p>
           <a:p>
+            <a:pPr lvl="1"/>
             <a:r>
               <a:rPr lang="en-US" dirty="0"/>
-              <a:t>Data-driven methods</a:t>
+              <a:t>Complexity</a:t>
             </a:r>
           </a:p>
           <a:p>
             <a:pPr lvl="1"/>
             <a:r>
               <a:rPr lang="en-US" dirty="0"/>
-              <a:t>STGCN, DCRNN</a:t>
-            </a:r>
-          </a:p>
-          <a:p>
+              <a:t>Computational Cost</a:t>
+            </a:r>
+          </a:p>
+          <a:p>
+            <a:pPr lvl="1"/>
+            <a:r>
+              <a:rPr lang="en-US" dirty="0"/>
+              <a:t>Modeling Accuracy</a:t>
+            </a:r>
+          </a:p>
+          <a:p>
+            <a:pPr lvl="1"/>
             <a:endParaRPr lang="en-US" dirty="0"/>
           </a:p>
           <a:p>
+            <a:pPr lvl="1"/>
             <a:r>
               <a:rPr lang="en-US" dirty="0"/>
-              <a:t>Hybrid methods</a:t>
-            </a:r>
+              <a:t>Examples: Physical-informed deep learning with fundamental diagram(PIDL-FDL), Spatial-temporal differential equation network(STDEN)</a:t>
+            </a:r>
+          </a:p>
+          <a:p>
+            <a:pPr lvl="1"/>
+            <a:endParaRPr lang="en-US" dirty="0"/>
+          </a:p>
+          <a:p>
+            <a:pPr lvl="1"/>
+            <a:endParaRPr lang="en-US" dirty="0"/>
           </a:p>
         </p:txBody>
       </p:sp>
     </p:spTree>
     <p:extLst>
       <p:ext uri="{BB962C8B-B14F-4D97-AF65-F5344CB8AC3E}">
-        <p14:creationId xmlns:p14="http://schemas.microsoft.com/office/powerpoint/2010/main" val="4244363221"/>
+        <p14:creationId xmlns:p14="http://schemas.microsoft.com/office/powerpoint/2010/main" val="766901201"/>
       </p:ext>
     </p:extLst>
   </p:cSld>
@@ -5727,7 +6419,7 @@
           <p:cNvPr id="2" name="Title 1">
             <a:extLst>
               <a:ext uri="{FF2B5EF4-FFF2-40B4-BE49-F238E27FC236}">
-                <a16:creationId xmlns:a16="http://schemas.microsoft.com/office/drawing/2014/main" id="{E26BB314-4EB4-6642-5D55-A8FD08885DD1}"/>
+                <a16:creationId xmlns:a16="http://schemas.microsoft.com/office/drawing/2014/main" id="{CFF3A225-74DE-8E72-79EC-D139E427FB03}"/>
               </a:ext>
             </a:extLst>
           </p:cNvPr>
@@ -5744,10 +6436,8 @@
           <a:lstStyle/>
           <a:p>
             <a:r>
-              <a:rPr lang="en-US" dirty="0">
-                <a:latin typeface="Algerian" panose="04020705040A02060702" pitchFamily="82" charset="0"/>
-              </a:rPr>
-              <a:t>Traffic state estimation &amp; DL</a:t>
+              <a:rPr lang="en-US" dirty="0"/>
+              <a:t>PIDL-FDL, STDEN</a:t>
             </a:r>
           </a:p>
         </p:txBody>
@@ -5757,7 +6447,7 @@
           <p:cNvPr id="3" name="Content Placeholder 2">
             <a:extLst>
               <a:ext uri="{FF2B5EF4-FFF2-40B4-BE49-F238E27FC236}">
-                <a16:creationId xmlns:a16="http://schemas.microsoft.com/office/drawing/2014/main" id="{3DD2864E-7945-FF34-134E-6EADB12C8350}"/>
+                <a16:creationId xmlns:a16="http://schemas.microsoft.com/office/drawing/2014/main" id="{332EE500-AC3C-432B-F56D-B7CC390E61F7}"/>
               </a:ext>
             </a:extLst>
           </p:cNvPr>
@@ -5767,95 +6457,142 @@
           <p:nvPr>
             <p:ph idx="1"/>
           </p:nvPr>
+        </p:nvSpPr>
+        <p:spPr/>
+        <p:txBody>
+          <a:bodyPr/>
+          <a:lstStyle/>
+          <a:p>
+            <a:r>
+              <a:rPr lang="en-US" dirty="0"/>
+              <a:t>What does it mean?</a:t>
+            </a:r>
+          </a:p>
+          <a:p>
+            <a:pPr lvl="1"/>
+            <a:r>
+              <a:rPr lang="en-US" dirty="0"/>
+              <a:t>Physical-informed deep learning and a fundamental diagram(FD)</a:t>
+            </a:r>
+          </a:p>
+          <a:p>
+            <a:pPr lvl="1"/>
+            <a:r>
+              <a:rPr lang="en-US" dirty="0"/>
+              <a:t>FD, a grid with nodes containing information such as speed, traffic flow… usually used in analysis</a:t>
+            </a:r>
+          </a:p>
+          <a:p>
+            <a:pPr lvl="1"/>
+            <a:r>
+              <a:rPr lang="en-US" dirty="0"/>
+              <a:t>Spatial-Temporal Differential Equation Network(STDEN)</a:t>
+            </a:r>
+          </a:p>
+        </p:txBody>
+      </p:sp>
+      <p:sp>
+        <p:nvSpPr>
+          <p:cNvPr id="4" name="Rectangle 3">
+            <a:extLst>
+              <a:ext uri="{FF2B5EF4-FFF2-40B4-BE49-F238E27FC236}">
+                <a16:creationId xmlns:a16="http://schemas.microsoft.com/office/drawing/2014/main" id="{2AC635D7-9CFE-2B5D-7597-B6F49D7295C9}"/>
+              </a:ext>
+            </a:extLst>
+          </p:cNvPr>
+          <p:cNvSpPr/>
+          <p:nvPr/>
         </p:nvSpPr>
         <p:spPr>
           <a:xfrm>
-            <a:off x="838200" y="1817742"/>
-            <a:ext cx="10515600" cy="4351338"/>
+            <a:off x="1206062" y="4524703"/>
+            <a:ext cx="3121572" cy="1787197"/>
           </a:xfrm>
+          <a:prstGeom prst="rect">
+            <a:avLst/>
+          </a:prstGeom>
         </p:spPr>
-        <p:txBody>
-          <a:bodyPr>
-            <a:normAutofit lnSpcReduction="10000"/>
-          </a:bodyPr>
-          <a:lstStyle/>
-          <a:p>
+        <p:style>
+          <a:lnRef idx="2">
+            <a:schemeClr val="accent1">
+              <a:shade val="15000"/>
+            </a:schemeClr>
+          </a:lnRef>
+          <a:fillRef idx="1">
+            <a:schemeClr val="accent1"/>
+          </a:fillRef>
+          <a:effectRef idx="0">
+            <a:schemeClr val="accent1"/>
+          </a:effectRef>
+          <a:fontRef idx="minor">
+            <a:schemeClr val="lt1"/>
+          </a:fontRef>
+        </p:style>
+        <p:txBody>
+          <a:bodyPr rtlCol="0" anchor="ctr"/>
+          <a:lstStyle/>
+          <a:p>
+            <a:pPr algn="ctr"/>
             <a:r>
               <a:rPr lang="en-US" dirty="0"/>
-              <a:t>Physical-informed deep learning(PIDL)</a:t>
-            </a:r>
-          </a:p>
-          <a:p>
-            <a:pPr lvl="1"/>
+              <a:t>Picture of FD &amp; DE</a:t>
+            </a:r>
+          </a:p>
+        </p:txBody>
+      </p:sp>
+      <p:sp>
+        <p:nvSpPr>
+          <p:cNvPr id="5" name="Rectangle 4">
+            <a:extLst>
+              <a:ext uri="{FF2B5EF4-FFF2-40B4-BE49-F238E27FC236}">
+                <a16:creationId xmlns:a16="http://schemas.microsoft.com/office/drawing/2014/main" id="{00C91AD6-E6A0-ADDB-A4FC-8858C697603B}"/>
+              </a:ext>
+            </a:extLst>
+          </p:cNvPr>
+          <p:cNvSpPr/>
+          <p:nvPr/>
+        </p:nvSpPr>
+        <p:spPr>
+          <a:xfrm>
+            <a:off x="5975131" y="4524702"/>
+            <a:ext cx="3555124" cy="1787197"/>
+          </a:xfrm>
+          <a:prstGeom prst="rect">
+            <a:avLst/>
+          </a:prstGeom>
+        </p:spPr>
+        <p:style>
+          <a:lnRef idx="2">
+            <a:schemeClr val="accent1">
+              <a:shade val="15000"/>
+            </a:schemeClr>
+          </a:lnRef>
+          <a:fillRef idx="1">
+            <a:schemeClr val="accent1"/>
+          </a:fillRef>
+          <a:effectRef idx="0">
+            <a:schemeClr val="accent1"/>
+          </a:effectRef>
+          <a:fontRef idx="minor">
+            <a:schemeClr val="lt1"/>
+          </a:fontRef>
+        </p:style>
+        <p:txBody>
+          <a:bodyPr rtlCol="0" anchor="ctr"/>
+          <a:lstStyle/>
+          <a:p>
+            <a:pPr algn="ctr"/>
             <a:r>
               <a:rPr lang="en-US" dirty="0"/>
-              <a:t>Data efficiency</a:t>
-            </a:r>
-          </a:p>
-          <a:p>
-            <a:pPr lvl="1"/>
-            <a:r>
-              <a:rPr lang="en-US" dirty="0"/>
-              <a:t>Generalization</a:t>
-            </a:r>
-          </a:p>
-          <a:p>
-            <a:pPr lvl="1"/>
-            <a:r>
-              <a:rPr lang="en-US" dirty="0"/>
-              <a:t>Interpretability</a:t>
-            </a:r>
-          </a:p>
-          <a:p>
-            <a:pPr lvl="1"/>
-            <a:endParaRPr lang="en-US" dirty="0"/>
-          </a:p>
-          <a:p>
-            <a:pPr lvl="1"/>
-            <a:r>
-              <a:rPr lang="en-US" dirty="0"/>
-              <a:t>Complexity</a:t>
-            </a:r>
-          </a:p>
-          <a:p>
-            <a:pPr lvl="1"/>
-            <a:r>
-              <a:rPr lang="en-US" dirty="0"/>
-              <a:t>Computational Cost</a:t>
-            </a:r>
-          </a:p>
-          <a:p>
-            <a:pPr lvl="1"/>
-            <a:r>
-              <a:rPr lang="en-US" dirty="0"/>
-              <a:t>Modeling Accuracy</a:t>
-            </a:r>
-          </a:p>
-          <a:p>
-            <a:pPr lvl="1"/>
-            <a:endParaRPr lang="en-US" dirty="0"/>
-          </a:p>
-          <a:p>
-            <a:pPr lvl="1"/>
-            <a:r>
-              <a:rPr lang="en-US" dirty="0"/>
-              <a:t>Examples: Physical-informed deep learning with fundamental diagram(PIDL-FDL), Spatial-temporal differential equation network(STDEN)</a:t>
-            </a:r>
-          </a:p>
-          <a:p>
-            <a:pPr lvl="1"/>
-            <a:endParaRPr lang="en-US" dirty="0"/>
-          </a:p>
-          <a:p>
-            <a:pPr lvl="1"/>
-            <a:endParaRPr lang="en-US" dirty="0"/>
+              <a:t>Picture of </a:t>
+            </a:r>
           </a:p>
         </p:txBody>
       </p:sp>
     </p:spTree>
     <p:extLst>
       <p:ext uri="{BB962C8B-B14F-4D97-AF65-F5344CB8AC3E}">
-        <p14:creationId xmlns:p14="http://schemas.microsoft.com/office/powerpoint/2010/main" val="766901201"/>
+        <p14:creationId xmlns:p14="http://schemas.microsoft.com/office/powerpoint/2010/main" val="2075335909"/>
       </p:ext>
     </p:extLst>
   </p:cSld>
@@ -5887,7 +6624,7 @@
           <p:cNvPr id="2" name="Title 1">
             <a:extLst>
               <a:ext uri="{FF2B5EF4-FFF2-40B4-BE49-F238E27FC236}">
-                <a16:creationId xmlns:a16="http://schemas.microsoft.com/office/drawing/2014/main" id="{1CED434C-7856-6EE9-FFF4-0B3B4116625D}"/>
+                <a16:creationId xmlns:a16="http://schemas.microsoft.com/office/drawing/2014/main" id="{7B97303F-F101-EA9C-2B92-AF29320035A6}"/>
               </a:ext>
             </a:extLst>
           </p:cNvPr>
@@ -5903,7 +6640,12 @@
           <a:bodyPr/>
           <a:lstStyle/>
           <a:p>
-            <a:endParaRPr lang="en-US"/>
+            <a:r>
+              <a:rPr lang="en-US" dirty="0">
+                <a:latin typeface="Algerian" panose="04020705040A02060702" pitchFamily="82" charset="0"/>
+              </a:rPr>
+              <a:t>Future Direction</a:t>
+            </a:r>
           </a:p>
         </p:txBody>
       </p:sp>
@@ -5912,7 +6654,7 @@
           <p:cNvPr id="3" name="Content Placeholder 2">
             <a:extLst>
               <a:ext uri="{FF2B5EF4-FFF2-40B4-BE49-F238E27FC236}">
-                <a16:creationId xmlns:a16="http://schemas.microsoft.com/office/drawing/2014/main" id="{72101447-143D-93BB-303A-08E3C46686B6}"/>
+                <a16:creationId xmlns:a16="http://schemas.microsoft.com/office/drawing/2014/main" id="{3770509C-9114-9CDB-D055-22F963042183}"/>
               </a:ext>
             </a:extLst>
           </p:cNvPr>
@@ -5928,9 +6670,38 @@
           <a:bodyPr/>
           <a:lstStyle/>
           <a:p>
-            <a:r>
-              <a:rPr lang="en-US" dirty="0"/>
-              <a:t>Detail structure of the methods in TSE</a:t>
+            <a:pPr marL="0" indent="0">
+              <a:buNone/>
+            </a:pPr>
+            <a:endParaRPr lang="en-US" dirty="0">
+              <a:latin typeface="Algerian" panose="04020705040A02060702" pitchFamily="82" charset="0"/>
+            </a:endParaRPr>
+          </a:p>
+          <a:p>
+            <a:pPr marL="0" indent="0">
+              <a:buNone/>
+            </a:pPr>
+            <a:endParaRPr lang="en-US" dirty="0">
+              <a:latin typeface="Algerian" panose="04020705040A02060702" pitchFamily="82" charset="0"/>
+            </a:endParaRPr>
+          </a:p>
+          <a:p>
+            <a:pPr marL="0" indent="0" algn="ctr">
+              <a:buNone/>
+            </a:pPr>
+            <a:endParaRPr lang="en-US" dirty="0">
+              <a:latin typeface="Algerian" panose="04020705040A02060702" pitchFamily="82" charset="0"/>
+            </a:endParaRPr>
+          </a:p>
+          <a:p>
+            <a:pPr marL="0" indent="0" algn="ctr">
+              <a:buNone/>
+            </a:pPr>
+            <a:r>
+              <a:rPr lang="en-US" sz="4800" dirty="0">
+                <a:latin typeface="Arial Black" panose="020B0A04020102020204" pitchFamily="34" charset="0"/>
+              </a:rPr>
+              <a:t>Interpretability</a:t>
             </a:r>
           </a:p>
         </p:txBody>
@@ -5938,7 +6709,7 @@
     </p:spTree>
     <p:extLst>
       <p:ext uri="{BB962C8B-B14F-4D97-AF65-F5344CB8AC3E}">
-        <p14:creationId xmlns:p14="http://schemas.microsoft.com/office/powerpoint/2010/main" val="13205342"/>
+        <p14:creationId xmlns:p14="http://schemas.microsoft.com/office/powerpoint/2010/main" val="543428618"/>
       </p:ext>
     </p:extLst>
   </p:cSld>
@@ -5970,7 +6741,7 @@
           <p:cNvPr id="2" name="Title 1">
             <a:extLst>
               <a:ext uri="{FF2B5EF4-FFF2-40B4-BE49-F238E27FC236}">
-                <a16:creationId xmlns:a16="http://schemas.microsoft.com/office/drawing/2014/main" id="{7B97303F-F101-EA9C-2B92-AF29320035A6}"/>
+                <a16:creationId xmlns:a16="http://schemas.microsoft.com/office/drawing/2014/main" id="{A8EB25C7-8611-9CC9-3ABD-06B8624C2FFD}"/>
               </a:ext>
             </a:extLst>
           </p:cNvPr>
@@ -5990,7 +6761,7 @@
               <a:rPr lang="en-US" dirty="0">
                 <a:latin typeface="Algerian" panose="04020705040A02060702" pitchFamily="82" charset="0"/>
               </a:rPr>
-              <a:t>Future Direction</a:t>
+              <a:t>Future research direction</a:t>
             </a:r>
           </a:p>
         </p:txBody>
@@ -6000,7 +6771,7 @@
           <p:cNvPr id="3" name="Content Placeholder 2">
             <a:extLst>
               <a:ext uri="{FF2B5EF4-FFF2-40B4-BE49-F238E27FC236}">
-                <a16:creationId xmlns:a16="http://schemas.microsoft.com/office/drawing/2014/main" id="{3770509C-9114-9CDB-D055-22F963042183}"/>
+                <a16:creationId xmlns:a16="http://schemas.microsoft.com/office/drawing/2014/main" id="{1675F2F5-E5DD-FA38-C243-E4245D3B00C2}"/>
               </a:ext>
             </a:extLst>
           </p:cNvPr>
@@ -6016,54 +6787,40 @@
           <a:bodyPr/>
           <a:lstStyle/>
           <a:p>
-            <a:r>
-              <a:rPr lang="en-US" dirty="0">
-                <a:latin typeface="Algerian" panose="04020705040A02060702" pitchFamily="82" charset="0"/>
-              </a:rPr>
-              <a:t>Interpretability</a:t>
-            </a:r>
-          </a:p>
-          <a:p>
-            <a:pPr lvl="1"/>
-            <a:r>
-              <a:rPr lang="en-US" dirty="0">
-                <a:latin typeface="Algerian" panose="04020705040A02060702" pitchFamily="82" charset="0"/>
-              </a:rPr>
-              <a:t>Why important</a:t>
-            </a:r>
-          </a:p>
-          <a:p>
-            <a:pPr lvl="1"/>
-            <a:r>
-              <a:rPr lang="en-US" dirty="0">
-                <a:latin typeface="Algerian" panose="04020705040A02060702" pitchFamily="82" charset="0"/>
-              </a:rPr>
-              <a:t>How it is solved currently</a:t>
-            </a:r>
-          </a:p>
-          <a:p>
-            <a:pPr lvl="1"/>
-            <a:r>
-              <a:rPr lang="en-US" dirty="0">
-                <a:latin typeface="Algerian" panose="04020705040A02060702" pitchFamily="82" charset="0"/>
-              </a:rPr>
-              <a:t>In the  context. From people</a:t>
-            </a:r>
-          </a:p>
-          <a:p>
-            <a:endParaRPr lang="en-US" dirty="0">
-              <a:latin typeface="Algerian" panose="04020705040A02060702" pitchFamily="82" charset="0"/>
-            </a:endParaRPr>
-          </a:p>
-          <a:p>
-            <a:pPr marL="0" indent="0">
+            <a:pPr marL="0" indent="0" algn="ctr">
+              <a:buNone/>
+            </a:pPr>
+            <a:endParaRPr lang="en-US" dirty="0"/>
+          </a:p>
+          <a:p>
+            <a:pPr marL="0" indent="0" algn="ctr">
               <a:buNone/>
             </a:pPr>
             <a:endParaRPr lang="en-US" dirty="0">
-              <a:latin typeface="Algerian" panose="04020705040A02060702" pitchFamily="82" charset="0"/>
+              <a:latin typeface="Elephant" panose="02020904090505020303" pitchFamily="18" charset="0"/>
             </a:endParaRPr>
           </a:p>
           <a:p>
+            <a:pPr marL="0" indent="0" algn="ctr">
+              <a:buNone/>
+            </a:pPr>
+            <a:endParaRPr lang="en-US" dirty="0">
+              <a:latin typeface="Elephant" panose="02020904090505020303" pitchFamily="18" charset="0"/>
+            </a:endParaRPr>
+          </a:p>
+          <a:p>
+            <a:pPr marL="0" indent="0" algn="ctr">
+              <a:buNone/>
+            </a:pPr>
+            <a:r>
+              <a:rPr lang="en-US" dirty="0">
+                <a:latin typeface="Elephant" panose="02020904090505020303" pitchFamily="18" charset="0"/>
+              </a:rPr>
+              <a:t>Kolmogorov-Arnold Networks(KANs)</a:t>
+            </a:r>
+          </a:p>
+          <a:p>
+            <a:pPr lvl="1"/>
             <a:endParaRPr lang="en-US" dirty="0"/>
           </a:p>
         </p:txBody>
@@ -6071,7 +6828,7 @@
     </p:spTree>
     <p:extLst>
       <p:ext uri="{BB962C8B-B14F-4D97-AF65-F5344CB8AC3E}">
-        <p14:creationId xmlns:p14="http://schemas.microsoft.com/office/powerpoint/2010/main" val="543428618"/>
+        <p14:creationId xmlns:p14="http://schemas.microsoft.com/office/powerpoint/2010/main" val="4016135782"/>
       </p:ext>
     </p:extLst>
   </p:cSld>
